--- a/DG_01 VSC-Setup.pptx
+++ b/DG_01 VSC-Setup.pptx
@@ -5,7 +5,7 @@
     <p:sldMasterId id="2147483739" r:id="rId1"/>
   </p:sldMasterIdLst>
   <p:notesMasterIdLst>
-    <p:notesMasterId r:id="rId9"/>
+    <p:notesMasterId r:id="rId10"/>
   </p:notesMasterIdLst>
   <p:sldIdLst>
     <p:sldId id="643" r:id="rId2"/>
@@ -15,6 +15,7 @@
     <p:sldId id="656" r:id="rId6"/>
     <p:sldId id="657" r:id="rId7"/>
     <p:sldId id="658" r:id="rId8"/>
+    <p:sldId id="659" r:id="rId9"/>
   </p:sldIdLst>
   <p:sldSz cx="9144000" cy="6858000" type="screen4x3"/>
   <p:notesSz cx="6858000" cy="9144000"/>
@@ -115,7 +116,7 @@
   </p:defaultTextStyle>
   <p:extLst>
     <p:ext uri="{EFAFB233-063F-42B5-8137-9DF3F51BA10A}">
-      <p15:sldGuideLst xmlns:p15="http://schemas.microsoft.com/office/powerpoint/2012/main" xmlns="">
+      <p15:sldGuideLst xmlns:p15="http://schemas.microsoft.com/office/powerpoint/2012/main">
         <p15:guide id="1" orient="horz" pos="2160">
           <p15:clr>
             <a:srgbClr val="A4A3A4"/>
@@ -214,7 +215,7 @@
           <a:p>
             <a:fld id="{78C00125-7AA2-BF47-9592-BD0EA1380ED7}" type="datetimeFigureOut">
               <a:rPr lang="en-US" smtClean="0"/>
-              <a:t>5/22/2022</a:t>
+              <a:t>5/23/2022</a:t>
             </a:fld>
             <a:endParaRPr lang="en-US"/>
           </a:p>
@@ -902,6 +903,90 @@
 </p:notes>
 </file>
 
+<file path=ppt/notesSlides/notesSlide6.xml><?xml version="1.0" encoding="utf-8"?>
+<p:notes xmlns:a="http://schemas.openxmlformats.org/drawingml/2006/main" xmlns:r="http://schemas.openxmlformats.org/officeDocument/2006/relationships" xmlns:p="http://schemas.openxmlformats.org/presentationml/2006/main">
+  <p:cSld>
+    <p:spTree>
+      <p:nvGrpSpPr>
+        <p:cNvPr id="1" name=""/>
+        <p:cNvGrpSpPr/>
+        <p:nvPr/>
+      </p:nvGrpSpPr>
+      <p:grpSpPr>
+        <a:xfrm>
+          <a:off x="0" y="0"/>
+          <a:ext cx="0" cy="0"/>
+          <a:chOff x="0" y="0"/>
+          <a:chExt cx="0" cy="0"/>
+        </a:xfrm>
+      </p:grpSpPr>
+      <p:sp>
+        <p:nvSpPr>
+          <p:cNvPr id="2" name="Slide Image Placeholder 1"/>
+          <p:cNvSpPr>
+            <a:spLocks noGrp="1" noRot="1" noChangeAspect="1"/>
+          </p:cNvSpPr>
+          <p:nvPr>
+            <p:ph type="sldImg"/>
+          </p:nvPr>
+        </p:nvSpPr>
+        <p:spPr/>
+      </p:sp>
+      <p:sp>
+        <p:nvSpPr>
+          <p:cNvPr id="3" name="Notes Placeholder 2"/>
+          <p:cNvSpPr>
+            <a:spLocks noGrp="1"/>
+          </p:cNvSpPr>
+          <p:nvPr>
+            <p:ph type="body" idx="1"/>
+          </p:nvPr>
+        </p:nvSpPr>
+        <p:spPr/>
+        <p:txBody>
+          <a:bodyPr/>
+          <a:lstStyle/>
+          <a:p>
+            <a:endParaRPr lang="en-US" dirty="0"/>
+          </a:p>
+        </p:txBody>
+      </p:sp>
+      <p:sp>
+        <p:nvSpPr>
+          <p:cNvPr id="4" name="Slide Number Placeholder 3"/>
+          <p:cNvSpPr>
+            <a:spLocks noGrp="1"/>
+          </p:cNvSpPr>
+          <p:nvPr>
+            <p:ph type="sldNum" sz="quarter" idx="10"/>
+          </p:nvPr>
+        </p:nvSpPr>
+        <p:spPr/>
+        <p:txBody>
+          <a:bodyPr/>
+          <a:lstStyle/>
+          <a:p>
+            <a:fld id="{2D8A47E9-43C9-0F4F-9379-1746571B2494}" type="slidenum">
+              <a:rPr lang="en-US" smtClean="0"/>
+              <a:t>8</a:t>
+            </a:fld>
+            <a:endParaRPr lang="en-US"/>
+          </a:p>
+        </p:txBody>
+      </p:sp>
+    </p:spTree>
+    <p:extLst>
+      <p:ext uri="{BB962C8B-B14F-4D97-AF65-F5344CB8AC3E}">
+        <p14:creationId xmlns:p14="http://schemas.microsoft.com/office/powerpoint/2010/main" val="670057441"/>
+      </p:ext>
+    </p:extLst>
+  </p:cSld>
+  <p:clrMapOvr>
+    <a:masterClrMapping/>
+  </p:clrMapOvr>
+</p:notes>
+</file>
+
 <file path=ppt/slideLayouts/slideLayout1.xml><?xml version="1.0" encoding="utf-8"?>
 <p:sldLayout xmlns:a="http://schemas.openxmlformats.org/drawingml/2006/main" xmlns:r="http://schemas.openxmlformats.org/officeDocument/2006/relationships" xmlns:p="http://schemas.openxmlformats.org/presentationml/2006/main" showMasterSp="0" type="title" preserve="1">
   <p:cSld name="Title Slide">
@@ -2715,7 +2800,7 @@
             <a:fld id="{28E80666-FB37-4B36-9149-507F3B0178E3}" type="datetimeFigureOut">
               <a:rPr lang="en-US" smtClean="0"/>
               <a:pPr/>
-              <a:t>5/22/2022</a:t>
+              <a:t>5/23/2022</a:t>
             </a:fld>
             <a:endParaRPr lang="en-US"/>
           </a:p>
@@ -2897,7 +2982,7 @@
           <a:p>
             <a:fld id="{05DB9FB3-5BB2-724E-A037-6C88DDC21847}" type="datetimeFigureOut">
               <a:rPr lang="en-US" smtClean="0"/>
-              <a:t>5/22/2022</a:t>
+              <a:t>5/23/2022</a:t>
             </a:fld>
             <a:endParaRPr lang="en-US"/>
           </a:p>
@@ -3048,7 +3133,7 @@
           <a:p>
             <a:fld id="{05DB9FB3-5BB2-724E-A037-6C88DDC21847}" type="datetimeFigureOut">
               <a:rPr lang="en-US" smtClean="0"/>
-              <a:t>5/22/2022</a:t>
+              <a:t>5/23/2022</a:t>
             </a:fld>
             <a:endParaRPr lang="en-US"/>
           </a:p>
@@ -4874,7 +4959,7 @@
           <a:p>
             <a:fld id="{05DB9FB3-5BB2-724E-A037-6C88DDC21847}" type="datetimeFigureOut">
               <a:rPr lang="en-US" smtClean="0"/>
-              <a:t>5/22/2022</a:t>
+              <a:t>5/23/2022</a:t>
             </a:fld>
             <a:endParaRPr lang="en-US"/>
           </a:p>
@@ -6745,7 +6830,7 @@
             <a:fld id="{28E80666-FB37-4B36-9149-507F3B0178E3}" type="datetimeFigureOut">
               <a:rPr lang="en-US" smtClean="0"/>
               <a:pPr/>
-              <a:t>5/22/2022</a:t>
+              <a:t>5/23/2022</a:t>
             </a:fld>
             <a:endParaRPr lang="en-US"/>
           </a:p>
@@ -6859,7 +6944,7 @@
           <a:p>
             <a:fld id="{05DB9FB3-5BB2-724E-A037-6C88DDC21847}" type="datetimeFigureOut">
               <a:rPr lang="en-US" smtClean="0"/>
-              <a:t>5/22/2022</a:t>
+              <a:t>5/23/2022</a:t>
             </a:fld>
             <a:endParaRPr lang="en-US"/>
           </a:p>
@@ -7400,7 +7485,7 @@
           <a:p>
             <a:fld id="{05DB9FB3-5BB2-724E-A037-6C88DDC21847}" type="datetimeFigureOut">
               <a:rPr lang="en-US" smtClean="0"/>
-              <a:t>5/22/2022</a:t>
+              <a:t>5/23/2022</a:t>
             </a:fld>
             <a:endParaRPr lang="en-US"/>
           </a:p>
@@ -7513,7 +7598,7 @@
           <a:p>
             <a:fld id="{05DB9FB3-5BB2-724E-A037-6C88DDC21847}" type="datetimeFigureOut">
               <a:rPr lang="en-US" smtClean="0"/>
-              <a:t>5/22/2022</a:t>
+              <a:t>5/23/2022</a:t>
             </a:fld>
             <a:endParaRPr lang="en-US"/>
           </a:p>
@@ -9224,7 +9309,7 @@
           <a:p>
             <a:fld id="{05DB9FB3-5BB2-724E-A037-6C88DDC21847}" type="datetimeFigureOut">
               <a:rPr lang="en-US" smtClean="0"/>
-              <a:t>5/22/2022</a:t>
+              <a:t>5/23/2022</a:t>
             </a:fld>
             <a:endParaRPr lang="en-US"/>
           </a:p>
@@ -9375,7 +9460,7 @@
           <a:p>
             <a:fld id="{05DB9FB3-5BB2-724E-A037-6C88DDC21847}" type="datetimeFigureOut">
               <a:rPr lang="en-US" smtClean="0"/>
-              <a:t>5/22/2022</a:t>
+              <a:t>5/23/2022</a:t>
             </a:fld>
             <a:endParaRPr lang="en-US"/>
           </a:p>
@@ -12990,7 +13075,7 @@
           <a:p>
             <a:fld id="{05DB9FB3-5BB2-724E-A037-6C88DDC21847}" type="datetimeFigureOut">
               <a:rPr lang="en-US" smtClean="0"/>
-              <a:t>5/22/2022</a:t>
+              <a:t>5/23/2022</a:t>
             </a:fld>
             <a:endParaRPr lang="en-US"/>
           </a:p>
@@ -14849,7 +14934,7 @@
           <a:p>
             <a:fld id="{05DB9FB3-5BB2-724E-A037-6C88DDC21847}" type="datetimeFigureOut">
               <a:rPr lang="en-US" smtClean="0"/>
-              <a:t>5/22/2022</a:t>
+              <a:t>5/23/2022</a:t>
             </a:fld>
             <a:endParaRPr lang="en-US"/>
           </a:p>
@@ -15421,11 +15506,7 @@
           <a:p>
             <a:r>
               <a:rPr lang="en-US" smtClean="0"/>
-              <a:t>Python </a:t>
-            </a:r>
-            <a:r>
-              <a:rPr lang="en-US" smtClean="0"/>
-              <a:t>Programming</a:t>
+              <a:t>Python Programming</a:t>
             </a:r>
             <a:endParaRPr lang="en-US" dirty="0" smtClean="0"/>
           </a:p>
@@ -15548,14 +15629,11 @@
           <a:p>
             <a:pPr lvl="1"/>
             <a:r>
-              <a:rPr lang="en-GB" sz="2400" smtClean="0">
+              <a:rPr lang="en-GB" sz="2400" dirty="0" smtClean="0">
                 <a:latin typeface="Lucida Sans" panose="020B0602030504020204" pitchFamily="34" charset="0"/>
               </a:rPr>
               <a:t>Python</a:t>
             </a:r>
-            <a:endParaRPr lang="en-GB" sz="2400" dirty="0" smtClean="0">
-              <a:latin typeface="Lucida Sans" panose="020B0602030504020204" pitchFamily="34" charset="0"/>
-            </a:endParaRPr>
           </a:p>
           <a:p>
             <a:pPr lvl="1"/>
@@ -16024,6 +16102,13 @@
   <p:clrMapOvr>
     <a:masterClrMapping/>
   </p:clrMapOvr>
+  <p:timing>
+    <p:tnLst>
+      <p:par>
+        <p:cTn id="1" dur="indefinite" restart="never" nodeType="tmRoot"/>
+      </p:par>
+    </p:tnLst>
+  </p:timing>
 </p:sld>
 </file>
 
@@ -17918,6 +18003,127 @@
 </p:sld>
 </file>
 
+<file path=ppt/slides/slide8.xml><?xml version="1.0" encoding="utf-8"?>
+<p:sld xmlns:a="http://schemas.openxmlformats.org/drawingml/2006/main" xmlns:r="http://schemas.openxmlformats.org/officeDocument/2006/relationships" xmlns:p="http://schemas.openxmlformats.org/presentationml/2006/main">
+  <p:cSld>
+    <p:spTree>
+      <p:nvGrpSpPr>
+        <p:cNvPr id="1" name=""/>
+        <p:cNvGrpSpPr/>
+        <p:nvPr/>
+      </p:nvGrpSpPr>
+      <p:grpSpPr>
+        <a:xfrm>
+          <a:off x="0" y="0"/>
+          <a:ext cx="0" cy="0"/>
+          <a:chOff x="0" y="0"/>
+          <a:chExt cx="0" cy="0"/>
+        </a:xfrm>
+      </p:grpSpPr>
+      <p:sp>
+        <p:nvSpPr>
+          <p:cNvPr id="2" name="Title 1"/>
+          <p:cNvSpPr>
+            <a:spLocks noGrp="1"/>
+          </p:cNvSpPr>
+          <p:nvPr>
+            <p:ph type="title"/>
+          </p:nvPr>
+        </p:nvSpPr>
+        <p:spPr>
+          <a:xfrm>
+            <a:off x="251586" y="244158"/>
+            <a:ext cx="8637831" cy="1339850"/>
+          </a:xfrm>
+        </p:spPr>
+        <p:txBody>
+          <a:bodyPr anchor="t"/>
+          <a:lstStyle/>
+          <a:p>
+            <a:pPr algn="l"/>
+            <a:r>
+              <a:rPr lang="en-US" dirty="0" smtClean="0"/>
+              <a:t>Clone</a:t>
+            </a:r>
+            <a:endParaRPr lang="en-US" dirty="0"/>
+          </a:p>
+        </p:txBody>
+      </p:sp>
+      <p:sp>
+        <p:nvSpPr>
+          <p:cNvPr id="16" name="Rectangle 15"/>
+          <p:cNvSpPr/>
+          <p:nvPr/>
+        </p:nvSpPr>
+        <p:spPr>
+          <a:xfrm>
+            <a:off x="645459" y="3056659"/>
+            <a:ext cx="6831106" cy="1815882"/>
+          </a:xfrm>
+          <a:prstGeom prst="rect">
+            <a:avLst/>
+          </a:prstGeom>
+        </p:spPr>
+        <p:txBody>
+          <a:bodyPr wrap="square">
+            <a:spAutoFit/>
+          </a:bodyPr>
+          <a:lstStyle/>
+          <a:p>
+            <a:r>
+              <a:rPr lang="en-GB" sz="2800" dirty="0" smtClean="0">
+                <a:latin typeface="Lucida Sans" panose="020B0602030504020204" pitchFamily="34" charset="0"/>
+                <a:hlinkClick r:id="rId3"/>
+              </a:rPr>
+              <a:t>https://gitlab.com/qacpp/python.git</a:t>
+            </a:r>
+            <a:endParaRPr lang="en-GB" sz="2800" dirty="0" smtClean="0">
+              <a:latin typeface="Lucida Sans" panose="020B0602030504020204" pitchFamily="34" charset="0"/>
+            </a:endParaRPr>
+          </a:p>
+          <a:p>
+            <a:endParaRPr lang="en-GB" sz="2800" dirty="0">
+              <a:latin typeface="Lucida Sans" panose="020B0602030504020204" pitchFamily="34" charset="0"/>
+            </a:endParaRPr>
+          </a:p>
+          <a:p>
+            <a:r>
+              <a:rPr lang="en-GB" sz="2800" dirty="0" smtClean="0">
+                <a:latin typeface="Lucida Sans" panose="020B0602030504020204" pitchFamily="34" charset="0"/>
+              </a:rPr>
+              <a:t>Mimeo: GBQ9TPLCTJLU</a:t>
+            </a:r>
+            <a:endParaRPr lang="en-GB" sz="2800" dirty="0" smtClean="0">
+              <a:latin typeface="Lucida Sans" panose="020B0602030504020204" pitchFamily="34" charset="0"/>
+            </a:endParaRPr>
+          </a:p>
+          <a:p>
+            <a:endParaRPr lang="en-GB" sz="2800" dirty="0" smtClean="0">
+              <a:latin typeface="Lucida Sans" panose="020B0602030504020204" pitchFamily="34" charset="0"/>
+            </a:endParaRPr>
+          </a:p>
+        </p:txBody>
+      </p:sp>
+    </p:spTree>
+    <p:extLst>
+      <p:ext uri="{BB962C8B-B14F-4D97-AF65-F5344CB8AC3E}">
+        <p14:creationId xmlns:p14="http://schemas.microsoft.com/office/powerpoint/2010/main" val="752976626"/>
+      </p:ext>
+    </p:extLst>
+  </p:cSld>
+  <p:clrMapOvr>
+    <a:masterClrMapping/>
+  </p:clrMapOvr>
+  <p:timing>
+    <p:tnLst>
+      <p:par>
+        <p:cTn id="1" dur="indefinite" restart="never" nodeType="tmRoot"/>
+      </p:par>
+    </p:tnLst>
+  </p:timing>
+</p:sld>
+</file>
+
 <file path=ppt/theme/theme1.xml><?xml version="1.0" encoding="utf-8"?>
 <a:theme xmlns:a="http://schemas.openxmlformats.org/drawingml/2006/main" name="Waveform">
   <a:themeElements>

--- a/DG_01 VSC-Setup.pptx
+++ b/DG_01 VSC-Setup.pptx
@@ -5,17 +5,19 @@
     <p:sldMasterId id="2147483739" r:id="rId1"/>
   </p:sldMasterIdLst>
   <p:notesMasterIdLst>
-    <p:notesMasterId r:id="rId10"/>
+    <p:notesMasterId r:id="rId12"/>
   </p:notesMasterIdLst>
   <p:sldIdLst>
     <p:sldId id="643" r:id="rId2"/>
     <p:sldId id="638" r:id="rId3"/>
     <p:sldId id="646" r:id="rId4"/>
-    <p:sldId id="644" r:id="rId5"/>
-    <p:sldId id="656" r:id="rId6"/>
-    <p:sldId id="657" r:id="rId7"/>
-    <p:sldId id="658" r:id="rId8"/>
-    <p:sldId id="659" r:id="rId9"/>
+    <p:sldId id="660" r:id="rId5"/>
+    <p:sldId id="661" r:id="rId6"/>
+    <p:sldId id="659" r:id="rId7"/>
+    <p:sldId id="644" r:id="rId8"/>
+    <p:sldId id="656" r:id="rId9"/>
+    <p:sldId id="657" r:id="rId10"/>
+    <p:sldId id="658" r:id="rId11"/>
   </p:sldIdLst>
   <p:sldSz cx="9144000" cy="6858000" type="screen4x3"/>
   <p:notesSz cx="6858000" cy="9144000"/>
@@ -116,7 +118,7 @@
   </p:defaultTextStyle>
   <p:extLst>
     <p:ext uri="{EFAFB233-063F-42B5-8137-9DF3F51BA10A}">
-      <p15:sldGuideLst xmlns:p15="http://schemas.microsoft.com/office/powerpoint/2012/main">
+      <p15:sldGuideLst xmlns="" xmlns:p15="http://schemas.microsoft.com/office/powerpoint/2012/main">
         <p15:guide id="1" orient="horz" pos="2160">
           <p15:clr>
             <a:srgbClr val="A4A3A4"/>
@@ -725,7 +727,7 @@
     </p:spTree>
     <p:extLst>
       <p:ext uri="{BB962C8B-B14F-4D97-AF65-F5344CB8AC3E}">
-        <p14:creationId xmlns:p14="http://schemas.microsoft.com/office/powerpoint/2010/main" val="522413693"/>
+        <p14:creationId xmlns:p14="http://schemas.microsoft.com/office/powerpoint/2010/main" val="3988076159"/>
       </p:ext>
     </p:extLst>
   </p:cSld>
@@ -809,7 +811,7 @@
     </p:spTree>
     <p:extLst>
       <p:ext uri="{BB962C8B-B14F-4D97-AF65-F5344CB8AC3E}">
-        <p14:creationId xmlns:p14="http://schemas.microsoft.com/office/powerpoint/2010/main" val="1546049665"/>
+        <p14:creationId xmlns:p14="http://schemas.microsoft.com/office/powerpoint/2010/main" val="670057441"/>
       </p:ext>
     </p:extLst>
   </p:cSld>
@@ -893,7 +895,7 @@
     </p:spTree>
     <p:extLst>
       <p:ext uri="{BB962C8B-B14F-4D97-AF65-F5344CB8AC3E}">
-        <p14:creationId xmlns:p14="http://schemas.microsoft.com/office/powerpoint/2010/main" val="1546049665"/>
+        <p14:creationId xmlns:p14="http://schemas.microsoft.com/office/powerpoint/2010/main" val="3988076159"/>
       </p:ext>
     </p:extLst>
   </p:cSld>
@@ -977,7 +979,175 @@
     </p:spTree>
     <p:extLst>
       <p:ext uri="{BB962C8B-B14F-4D97-AF65-F5344CB8AC3E}">
-        <p14:creationId xmlns:p14="http://schemas.microsoft.com/office/powerpoint/2010/main" val="670057441"/>
+        <p14:creationId xmlns:p14="http://schemas.microsoft.com/office/powerpoint/2010/main" val="522413693"/>
+      </p:ext>
+    </p:extLst>
+  </p:cSld>
+  <p:clrMapOvr>
+    <a:masterClrMapping/>
+  </p:clrMapOvr>
+</p:notes>
+</file>
+
+<file path=ppt/notesSlides/notesSlide7.xml><?xml version="1.0" encoding="utf-8"?>
+<p:notes xmlns:a="http://schemas.openxmlformats.org/drawingml/2006/main" xmlns:r="http://schemas.openxmlformats.org/officeDocument/2006/relationships" xmlns:p="http://schemas.openxmlformats.org/presentationml/2006/main">
+  <p:cSld>
+    <p:spTree>
+      <p:nvGrpSpPr>
+        <p:cNvPr id="1" name=""/>
+        <p:cNvGrpSpPr/>
+        <p:nvPr/>
+      </p:nvGrpSpPr>
+      <p:grpSpPr>
+        <a:xfrm>
+          <a:off x="0" y="0"/>
+          <a:ext cx="0" cy="0"/>
+          <a:chOff x="0" y="0"/>
+          <a:chExt cx="0" cy="0"/>
+        </a:xfrm>
+      </p:grpSpPr>
+      <p:sp>
+        <p:nvSpPr>
+          <p:cNvPr id="2" name="Slide Image Placeholder 1"/>
+          <p:cNvSpPr>
+            <a:spLocks noGrp="1" noRot="1" noChangeAspect="1"/>
+          </p:cNvSpPr>
+          <p:nvPr>
+            <p:ph type="sldImg"/>
+          </p:nvPr>
+        </p:nvSpPr>
+        <p:spPr/>
+      </p:sp>
+      <p:sp>
+        <p:nvSpPr>
+          <p:cNvPr id="3" name="Notes Placeholder 2"/>
+          <p:cNvSpPr>
+            <a:spLocks noGrp="1"/>
+          </p:cNvSpPr>
+          <p:nvPr>
+            <p:ph type="body" idx="1"/>
+          </p:nvPr>
+        </p:nvSpPr>
+        <p:spPr/>
+        <p:txBody>
+          <a:bodyPr/>
+          <a:lstStyle/>
+          <a:p>
+            <a:endParaRPr lang="en-US" dirty="0"/>
+          </a:p>
+        </p:txBody>
+      </p:sp>
+      <p:sp>
+        <p:nvSpPr>
+          <p:cNvPr id="4" name="Slide Number Placeholder 3"/>
+          <p:cNvSpPr>
+            <a:spLocks noGrp="1"/>
+          </p:cNvSpPr>
+          <p:nvPr>
+            <p:ph type="sldNum" sz="quarter" idx="10"/>
+          </p:nvPr>
+        </p:nvSpPr>
+        <p:spPr/>
+        <p:txBody>
+          <a:bodyPr/>
+          <a:lstStyle/>
+          <a:p>
+            <a:fld id="{2D8A47E9-43C9-0F4F-9379-1746571B2494}" type="slidenum">
+              <a:rPr lang="en-US" smtClean="0"/>
+              <a:t>9</a:t>
+            </a:fld>
+            <a:endParaRPr lang="en-US"/>
+          </a:p>
+        </p:txBody>
+      </p:sp>
+    </p:spTree>
+    <p:extLst>
+      <p:ext uri="{BB962C8B-B14F-4D97-AF65-F5344CB8AC3E}">
+        <p14:creationId xmlns:p14="http://schemas.microsoft.com/office/powerpoint/2010/main" val="1546049665"/>
+      </p:ext>
+    </p:extLst>
+  </p:cSld>
+  <p:clrMapOvr>
+    <a:masterClrMapping/>
+  </p:clrMapOvr>
+</p:notes>
+</file>
+
+<file path=ppt/notesSlides/notesSlide8.xml><?xml version="1.0" encoding="utf-8"?>
+<p:notes xmlns:a="http://schemas.openxmlformats.org/drawingml/2006/main" xmlns:r="http://schemas.openxmlformats.org/officeDocument/2006/relationships" xmlns:p="http://schemas.openxmlformats.org/presentationml/2006/main">
+  <p:cSld>
+    <p:spTree>
+      <p:nvGrpSpPr>
+        <p:cNvPr id="1" name=""/>
+        <p:cNvGrpSpPr/>
+        <p:nvPr/>
+      </p:nvGrpSpPr>
+      <p:grpSpPr>
+        <a:xfrm>
+          <a:off x="0" y="0"/>
+          <a:ext cx="0" cy="0"/>
+          <a:chOff x="0" y="0"/>
+          <a:chExt cx="0" cy="0"/>
+        </a:xfrm>
+      </p:grpSpPr>
+      <p:sp>
+        <p:nvSpPr>
+          <p:cNvPr id="2" name="Slide Image Placeholder 1"/>
+          <p:cNvSpPr>
+            <a:spLocks noGrp="1" noRot="1" noChangeAspect="1"/>
+          </p:cNvSpPr>
+          <p:nvPr>
+            <p:ph type="sldImg"/>
+          </p:nvPr>
+        </p:nvSpPr>
+        <p:spPr/>
+      </p:sp>
+      <p:sp>
+        <p:nvSpPr>
+          <p:cNvPr id="3" name="Notes Placeholder 2"/>
+          <p:cNvSpPr>
+            <a:spLocks noGrp="1"/>
+          </p:cNvSpPr>
+          <p:nvPr>
+            <p:ph type="body" idx="1"/>
+          </p:nvPr>
+        </p:nvSpPr>
+        <p:spPr/>
+        <p:txBody>
+          <a:bodyPr/>
+          <a:lstStyle/>
+          <a:p>
+            <a:endParaRPr lang="en-US" dirty="0"/>
+          </a:p>
+        </p:txBody>
+      </p:sp>
+      <p:sp>
+        <p:nvSpPr>
+          <p:cNvPr id="4" name="Slide Number Placeholder 3"/>
+          <p:cNvSpPr>
+            <a:spLocks noGrp="1"/>
+          </p:cNvSpPr>
+          <p:nvPr>
+            <p:ph type="sldNum" sz="quarter" idx="10"/>
+          </p:nvPr>
+        </p:nvSpPr>
+        <p:spPr/>
+        <p:txBody>
+          <a:bodyPr/>
+          <a:lstStyle/>
+          <a:p>
+            <a:fld id="{2D8A47E9-43C9-0F4F-9379-1746571B2494}" type="slidenum">
+              <a:rPr lang="en-US" smtClean="0"/>
+              <a:t>10</a:t>
+            </a:fld>
+            <a:endParaRPr lang="en-US"/>
+          </a:p>
+        </p:txBody>
+      </p:sp>
+    </p:spTree>
+    <p:extLst>
+      <p:ext uri="{BB962C8B-B14F-4D97-AF65-F5344CB8AC3E}">
+        <p14:creationId xmlns:p14="http://schemas.microsoft.com/office/powerpoint/2010/main" val="1546049665"/>
       </p:ext>
     </p:extLst>
   </p:cSld>
@@ -15544,6 +15714,544 @@
 </p:sld>
 </file>
 
+<file path=ppt/slides/slide10.xml><?xml version="1.0" encoding="utf-8"?>
+<p:sld xmlns:a="http://schemas.openxmlformats.org/drawingml/2006/main" xmlns:r="http://schemas.openxmlformats.org/officeDocument/2006/relationships" xmlns:p="http://schemas.openxmlformats.org/presentationml/2006/main">
+  <p:cSld>
+    <p:spTree>
+      <p:nvGrpSpPr>
+        <p:cNvPr id="1" name=""/>
+        <p:cNvGrpSpPr/>
+        <p:nvPr/>
+      </p:nvGrpSpPr>
+      <p:grpSpPr>
+        <a:xfrm>
+          <a:off x="0" y="0"/>
+          <a:ext cx="0" cy="0"/>
+          <a:chOff x="0" y="0"/>
+          <a:chExt cx="0" cy="0"/>
+        </a:xfrm>
+      </p:grpSpPr>
+      <p:pic>
+        <p:nvPicPr>
+          <p:cNvPr id="5122" name="Picture 2"/>
+          <p:cNvPicPr>
+            <a:picLocks noChangeAspect="1" noChangeArrowheads="1"/>
+          </p:cNvPicPr>
+          <p:nvPr/>
+        </p:nvPicPr>
+        <p:blipFill>
+          <a:blip r:embed="rId3">
+            <a:extLst>
+              <a:ext uri="{28A0092B-C50C-407E-A947-70E740481C1C}">
+                <a14:useLocalDpi xmlns:a14="http://schemas.microsoft.com/office/drawing/2010/main" val="0"/>
+              </a:ext>
+            </a:extLst>
+          </a:blip>
+          <a:srcRect/>
+          <a:stretch>
+            <a:fillRect/>
+          </a:stretch>
+        </p:blipFill>
+        <p:spPr bwMode="auto">
+          <a:xfrm>
+            <a:off x="468393" y="2641264"/>
+            <a:ext cx="5235575" cy="1768475"/>
+          </a:xfrm>
+          <a:prstGeom prst="rect">
+            <a:avLst/>
+          </a:prstGeom>
+          <a:noFill/>
+          <a:ln>
+            <a:noFill/>
+          </a:ln>
+          <a:effectLst/>
+          <a:extLst>
+            <a:ext uri="{909E8E84-426E-40DD-AFC4-6F175D3DCCD1}">
+              <a14:hiddenFill xmlns:a14="http://schemas.microsoft.com/office/drawing/2010/main">
+                <a:solidFill>
+                  <a:schemeClr val="accent1"/>
+                </a:solidFill>
+              </a14:hiddenFill>
+            </a:ext>
+            <a:ext uri="{91240B29-F687-4F45-9708-019B960494DF}">
+              <a14:hiddenLine xmlns:a14="http://schemas.microsoft.com/office/drawing/2010/main" w="9525">
+                <a:solidFill>
+                  <a:schemeClr val="tx1"/>
+                </a:solidFill>
+                <a:miter lim="800000"/>
+                <a:headEnd/>
+                <a:tailEnd/>
+              </a14:hiddenLine>
+            </a:ext>
+            <a:ext uri="{AF507438-7753-43E0-B8FC-AC1667EBCBE1}">
+              <a14:hiddenEffects xmlns:a14="http://schemas.microsoft.com/office/drawing/2010/main">
+                <a:effectLst>
+                  <a:outerShdw dist="35921" dir="2700000" algn="ctr" rotWithShape="0">
+                    <a:schemeClr val="bg2"/>
+                  </a:outerShdw>
+                </a:effectLst>
+              </a14:hiddenEffects>
+            </a:ext>
+          </a:extLst>
+        </p:spPr>
+      </p:pic>
+      <p:sp>
+        <p:nvSpPr>
+          <p:cNvPr id="2" name="Title 1"/>
+          <p:cNvSpPr>
+            <a:spLocks noGrp="1"/>
+          </p:cNvSpPr>
+          <p:nvPr>
+            <p:ph type="title"/>
+          </p:nvPr>
+        </p:nvSpPr>
+        <p:spPr>
+          <a:xfrm>
+            <a:off x="251586" y="244158"/>
+            <a:ext cx="8637831" cy="1339850"/>
+          </a:xfrm>
+        </p:spPr>
+        <p:txBody>
+          <a:bodyPr anchor="t"/>
+          <a:lstStyle/>
+          <a:p>
+            <a:pPr algn="l"/>
+            <a:r>
+              <a:rPr lang="en-US" dirty="0" smtClean="0"/>
+              <a:t>Debug</a:t>
+            </a:r>
+            <a:endParaRPr lang="en-US" dirty="0"/>
+          </a:p>
+        </p:txBody>
+      </p:sp>
+      <p:sp>
+        <p:nvSpPr>
+          <p:cNvPr id="11" name="Oval 10"/>
+          <p:cNvSpPr/>
+          <p:nvPr/>
+        </p:nvSpPr>
+        <p:spPr>
+          <a:xfrm>
+            <a:off x="4280131" y="2641264"/>
+            <a:ext cx="988556" cy="513016"/>
+          </a:xfrm>
+          <a:prstGeom prst="ellipse">
+            <a:avLst/>
+          </a:prstGeom>
+          <a:noFill/>
+          <a:ln w="38100">
+            <a:solidFill>
+              <a:srgbClr val="FF0000"/>
+            </a:solidFill>
+          </a:ln>
+        </p:spPr>
+        <p:style>
+          <a:lnRef idx="2">
+            <a:schemeClr val="accent1">
+              <a:shade val="50000"/>
+            </a:schemeClr>
+          </a:lnRef>
+          <a:fillRef idx="1">
+            <a:schemeClr val="accent1"/>
+          </a:fillRef>
+          <a:effectRef idx="0">
+            <a:schemeClr val="accent1"/>
+          </a:effectRef>
+          <a:fontRef idx="minor">
+            <a:schemeClr val="lt1"/>
+          </a:fontRef>
+        </p:style>
+        <p:txBody>
+          <a:bodyPr rtlCol="0" anchor="ctr"/>
+          <a:lstStyle/>
+          <a:p>
+            <a:pPr algn="ctr"/>
+            <a:endParaRPr lang="en-GB"/>
+          </a:p>
+        </p:txBody>
+      </p:sp>
+      <p:sp>
+        <p:nvSpPr>
+          <p:cNvPr id="7" name="Oval 6"/>
+          <p:cNvSpPr/>
+          <p:nvPr/>
+        </p:nvSpPr>
+        <p:spPr>
+          <a:xfrm>
+            <a:off x="1188580" y="3173598"/>
+            <a:ext cx="1897599" cy="513016"/>
+          </a:xfrm>
+          <a:prstGeom prst="ellipse">
+            <a:avLst/>
+          </a:prstGeom>
+          <a:noFill/>
+          <a:ln w="38100">
+            <a:solidFill>
+              <a:srgbClr val="FF0000"/>
+            </a:solidFill>
+          </a:ln>
+        </p:spPr>
+        <p:style>
+          <a:lnRef idx="2">
+            <a:schemeClr val="accent1">
+              <a:shade val="50000"/>
+            </a:schemeClr>
+          </a:lnRef>
+          <a:fillRef idx="1">
+            <a:schemeClr val="accent1"/>
+          </a:fillRef>
+          <a:effectRef idx="0">
+            <a:schemeClr val="accent1"/>
+          </a:effectRef>
+          <a:fontRef idx="minor">
+            <a:schemeClr val="lt1"/>
+          </a:fontRef>
+        </p:style>
+        <p:txBody>
+          <a:bodyPr rtlCol="0" anchor="ctr"/>
+          <a:lstStyle/>
+          <a:p>
+            <a:pPr algn="ctr"/>
+            <a:endParaRPr lang="en-GB"/>
+          </a:p>
+        </p:txBody>
+      </p:sp>
+      <p:sp>
+        <p:nvSpPr>
+          <p:cNvPr id="9" name="Oval 8"/>
+          <p:cNvSpPr/>
+          <p:nvPr/>
+        </p:nvSpPr>
+        <p:spPr>
+          <a:xfrm>
+            <a:off x="3086180" y="3525501"/>
+            <a:ext cx="2182508" cy="513016"/>
+          </a:xfrm>
+          <a:prstGeom prst="ellipse">
+            <a:avLst/>
+          </a:prstGeom>
+          <a:noFill/>
+          <a:ln w="38100">
+            <a:solidFill>
+              <a:srgbClr val="FF0000"/>
+            </a:solidFill>
+          </a:ln>
+        </p:spPr>
+        <p:style>
+          <a:lnRef idx="2">
+            <a:schemeClr val="accent1">
+              <a:shade val="50000"/>
+            </a:schemeClr>
+          </a:lnRef>
+          <a:fillRef idx="1">
+            <a:schemeClr val="accent1"/>
+          </a:fillRef>
+          <a:effectRef idx="0">
+            <a:schemeClr val="accent1"/>
+          </a:effectRef>
+          <a:fontRef idx="minor">
+            <a:schemeClr val="lt1"/>
+          </a:fontRef>
+        </p:style>
+        <p:txBody>
+          <a:bodyPr rtlCol="0" anchor="ctr"/>
+          <a:lstStyle/>
+          <a:p>
+            <a:pPr algn="ctr"/>
+            <a:endParaRPr lang="en-GB"/>
+          </a:p>
+        </p:txBody>
+      </p:sp>
+      <p:sp>
+        <p:nvSpPr>
+          <p:cNvPr id="10" name="TextBox 9"/>
+          <p:cNvSpPr txBox="1"/>
+          <p:nvPr/>
+        </p:nvSpPr>
+        <p:spPr>
+          <a:xfrm>
+            <a:off x="976382" y="2464825"/>
+            <a:ext cx="1853903" cy="769441"/>
+          </a:xfrm>
+          <a:prstGeom prst="rect">
+            <a:avLst/>
+          </a:prstGeom>
+          <a:noFill/>
+        </p:spPr>
+        <p:txBody>
+          <a:bodyPr wrap="square" rtlCol="0">
+            <a:spAutoFit/>
+          </a:bodyPr>
+          <a:lstStyle/>
+          <a:p>
+            <a:r>
+              <a:rPr lang="en-GB" sz="4400" b="1" smtClean="0">
+                <a:solidFill>
+                  <a:srgbClr val="FF0000"/>
+                </a:solidFill>
+              </a:rPr>
+              <a:t>1. F9</a:t>
+            </a:r>
+            <a:endParaRPr lang="en-GB" sz="4400" b="1">
+              <a:solidFill>
+                <a:srgbClr val="FF0000"/>
+              </a:solidFill>
+            </a:endParaRPr>
+          </a:p>
+        </p:txBody>
+      </p:sp>
+      <p:sp>
+        <p:nvSpPr>
+          <p:cNvPr id="12" name="TextBox 11"/>
+          <p:cNvSpPr txBox="1"/>
+          <p:nvPr/>
+        </p:nvSpPr>
+        <p:spPr>
+          <a:xfrm>
+            <a:off x="4683795" y="1871823"/>
+            <a:ext cx="3545806" cy="769441"/>
+          </a:xfrm>
+          <a:prstGeom prst="rect">
+            <a:avLst/>
+          </a:prstGeom>
+          <a:noFill/>
+        </p:spPr>
+        <p:txBody>
+          <a:bodyPr wrap="square" rtlCol="0">
+            <a:spAutoFit/>
+          </a:bodyPr>
+          <a:lstStyle/>
+          <a:p>
+            <a:r>
+              <a:rPr lang="en-GB" sz="4400" b="1" smtClean="0">
+                <a:solidFill>
+                  <a:srgbClr val="FF0000"/>
+                </a:solidFill>
+              </a:rPr>
+              <a:t>2: drop-down</a:t>
+            </a:r>
+            <a:endParaRPr lang="en-GB" sz="4400" b="1">
+              <a:solidFill>
+                <a:srgbClr val="FF0000"/>
+              </a:solidFill>
+            </a:endParaRPr>
+          </a:p>
+        </p:txBody>
+      </p:sp>
+      <p:sp>
+        <p:nvSpPr>
+          <p:cNvPr id="13" name="TextBox 12"/>
+          <p:cNvSpPr txBox="1"/>
+          <p:nvPr/>
+        </p:nvSpPr>
+        <p:spPr>
+          <a:xfrm>
+            <a:off x="5268687" y="3397288"/>
+            <a:ext cx="551543" cy="769441"/>
+          </a:xfrm>
+          <a:prstGeom prst="rect">
+            <a:avLst/>
+          </a:prstGeom>
+          <a:noFill/>
+        </p:spPr>
+        <p:txBody>
+          <a:bodyPr wrap="square" rtlCol="0">
+            <a:spAutoFit/>
+          </a:bodyPr>
+          <a:lstStyle/>
+          <a:p>
+            <a:r>
+              <a:rPr lang="en-GB" sz="4400" b="1" smtClean="0">
+                <a:solidFill>
+                  <a:srgbClr val="FF0000"/>
+                </a:solidFill>
+              </a:rPr>
+              <a:t>3</a:t>
+            </a:r>
+            <a:endParaRPr lang="en-GB" sz="4400" b="1">
+              <a:solidFill>
+                <a:srgbClr val="FF0000"/>
+              </a:solidFill>
+            </a:endParaRPr>
+          </a:p>
+        </p:txBody>
+      </p:sp>
+      <p:pic>
+        <p:nvPicPr>
+          <p:cNvPr id="5123" name="Picture 3"/>
+          <p:cNvPicPr>
+            <a:picLocks noChangeAspect="1" noChangeArrowheads="1"/>
+          </p:cNvPicPr>
+          <p:nvPr/>
+        </p:nvPicPr>
+        <p:blipFill>
+          <a:blip r:embed="rId4">
+            <a:extLst>
+              <a:ext uri="{28A0092B-C50C-407E-A947-70E740481C1C}">
+                <a14:useLocalDpi xmlns:a14="http://schemas.microsoft.com/office/drawing/2010/main" val="0"/>
+              </a:ext>
+            </a:extLst>
+          </a:blip>
+          <a:srcRect/>
+          <a:stretch>
+            <a:fillRect/>
+          </a:stretch>
+        </p:blipFill>
+        <p:spPr bwMode="auto">
+          <a:xfrm>
+            <a:off x="3771901" y="4618038"/>
+            <a:ext cx="4457700" cy="1895475"/>
+          </a:xfrm>
+          <a:prstGeom prst="rect">
+            <a:avLst/>
+          </a:prstGeom>
+          <a:noFill/>
+          <a:ln>
+            <a:noFill/>
+          </a:ln>
+          <a:effectLst/>
+          <a:extLst>
+            <a:ext uri="{909E8E84-426E-40DD-AFC4-6F175D3DCCD1}">
+              <a14:hiddenFill xmlns:a14="http://schemas.microsoft.com/office/drawing/2010/main">
+                <a:solidFill>
+                  <a:schemeClr val="accent1"/>
+                </a:solidFill>
+              </a14:hiddenFill>
+            </a:ext>
+            <a:ext uri="{91240B29-F687-4F45-9708-019B960494DF}">
+              <a14:hiddenLine xmlns:a14="http://schemas.microsoft.com/office/drawing/2010/main" w="9525">
+                <a:solidFill>
+                  <a:schemeClr val="tx1"/>
+                </a:solidFill>
+                <a:miter lim="800000"/>
+                <a:headEnd/>
+                <a:tailEnd/>
+              </a14:hiddenLine>
+            </a:ext>
+            <a:ext uri="{AF507438-7753-43E0-B8FC-AC1667EBCBE1}">
+              <a14:hiddenEffects xmlns:a14="http://schemas.microsoft.com/office/drawing/2010/main">
+                <a:effectLst>
+                  <a:outerShdw dist="35921" dir="2700000" algn="ctr" rotWithShape="0">
+                    <a:schemeClr val="bg2"/>
+                  </a:outerShdw>
+                </a:effectLst>
+              </a14:hiddenEffects>
+            </a:ext>
+          </a:extLst>
+        </p:spPr>
+      </p:pic>
+      <p:sp>
+        <p:nvSpPr>
+          <p:cNvPr id="14" name="Oval 13"/>
+          <p:cNvSpPr/>
+          <p:nvPr/>
+        </p:nvSpPr>
+        <p:spPr>
+          <a:xfrm>
+            <a:off x="3986065" y="5009217"/>
+            <a:ext cx="3198506" cy="513016"/>
+          </a:xfrm>
+          <a:prstGeom prst="ellipse">
+            <a:avLst/>
+          </a:prstGeom>
+          <a:noFill/>
+          <a:ln w="38100">
+            <a:solidFill>
+              <a:srgbClr val="FF0000"/>
+            </a:solidFill>
+          </a:ln>
+        </p:spPr>
+        <p:style>
+          <a:lnRef idx="2">
+            <a:schemeClr val="accent1">
+              <a:shade val="50000"/>
+            </a:schemeClr>
+          </a:lnRef>
+          <a:fillRef idx="1">
+            <a:schemeClr val="accent1"/>
+          </a:fillRef>
+          <a:effectRef idx="0">
+            <a:schemeClr val="accent1"/>
+          </a:effectRef>
+          <a:fontRef idx="minor">
+            <a:schemeClr val="lt1"/>
+          </a:fontRef>
+        </p:style>
+        <p:txBody>
+          <a:bodyPr rtlCol="0" anchor="ctr"/>
+          <a:lstStyle/>
+          <a:p>
+            <a:pPr algn="ctr"/>
+            <a:endParaRPr lang="en-GB"/>
+          </a:p>
+        </p:txBody>
+      </p:sp>
+      <p:sp>
+        <p:nvSpPr>
+          <p:cNvPr id="15" name="Oval 14"/>
+          <p:cNvSpPr/>
+          <p:nvPr/>
+        </p:nvSpPr>
+        <p:spPr>
+          <a:xfrm>
+            <a:off x="4104864" y="5805714"/>
+            <a:ext cx="506362" cy="411081"/>
+          </a:xfrm>
+          <a:prstGeom prst="ellipse">
+            <a:avLst/>
+          </a:prstGeom>
+          <a:noFill/>
+          <a:ln w="38100">
+            <a:solidFill>
+              <a:srgbClr val="FF0000"/>
+            </a:solidFill>
+          </a:ln>
+        </p:spPr>
+        <p:style>
+          <a:lnRef idx="2">
+            <a:schemeClr val="accent1">
+              <a:shade val="50000"/>
+            </a:schemeClr>
+          </a:lnRef>
+          <a:fillRef idx="1">
+            <a:schemeClr val="accent1"/>
+          </a:fillRef>
+          <a:effectRef idx="0">
+            <a:schemeClr val="accent1"/>
+          </a:effectRef>
+          <a:fontRef idx="minor">
+            <a:schemeClr val="lt1"/>
+          </a:fontRef>
+        </p:style>
+        <p:txBody>
+          <a:bodyPr rtlCol="0" anchor="ctr"/>
+          <a:lstStyle/>
+          <a:p>
+            <a:pPr algn="ctr"/>
+            <a:endParaRPr lang="en-GB"/>
+          </a:p>
+        </p:txBody>
+      </p:sp>
+    </p:spTree>
+    <p:extLst>
+      <p:ext uri="{BB962C8B-B14F-4D97-AF65-F5344CB8AC3E}">
+        <p14:creationId xmlns:p14="http://schemas.microsoft.com/office/powerpoint/2010/main" val="21235050"/>
+      </p:ext>
+    </p:extLst>
+  </p:cSld>
+  <p:clrMapOvr>
+    <a:masterClrMapping/>
+  </p:clrMapOvr>
+  <p:timing>
+    <p:tnLst>
+      <p:par>
+        <p:cTn id="1" dur="indefinite" restart="never" nodeType="tmRoot"/>
+      </p:par>
+    </p:tnLst>
+  </p:timing>
+</p:sld>
+</file>
+
 <file path=ppt/slides/slide2.xml><?xml version="1.0" encoding="utf-8"?>
 <p:sld xmlns:a="http://schemas.openxmlformats.org/drawingml/2006/main" xmlns:r="http://schemas.openxmlformats.org/officeDocument/2006/relationships" xmlns:p="http://schemas.openxmlformats.org/presentationml/2006/main">
   <p:cSld>
@@ -16131,6 +16839,893 @@
       </p:grpSpPr>
       <p:pic>
         <p:nvPicPr>
+          <p:cNvPr id="1027" name="Picture 3"/>
+          <p:cNvPicPr>
+            <a:picLocks noChangeAspect="1" noChangeArrowheads="1"/>
+          </p:cNvPicPr>
+          <p:nvPr/>
+        </p:nvPicPr>
+        <p:blipFill>
+          <a:blip r:embed="rId3">
+            <a:extLst>
+              <a:ext uri="{28A0092B-C50C-407E-A947-70E740481C1C}">
+                <a14:useLocalDpi xmlns:a14="http://schemas.microsoft.com/office/drawing/2010/main" val="0"/>
+              </a:ext>
+            </a:extLst>
+          </a:blip>
+          <a:srcRect/>
+          <a:stretch>
+            <a:fillRect/>
+          </a:stretch>
+        </p:blipFill>
+        <p:spPr bwMode="auto">
+          <a:xfrm>
+            <a:off x="3741576" y="4013600"/>
+            <a:ext cx="5029200" cy="2568575"/>
+          </a:xfrm>
+          <a:prstGeom prst="rect">
+            <a:avLst/>
+          </a:prstGeom>
+          <a:noFill/>
+          <a:ln>
+            <a:noFill/>
+          </a:ln>
+          <a:effectLst/>
+          <a:extLst>
+            <a:ext uri="{909E8E84-426E-40DD-AFC4-6F175D3DCCD1}">
+              <a14:hiddenFill xmlns:a14="http://schemas.microsoft.com/office/drawing/2010/main">
+                <a:solidFill>
+                  <a:schemeClr val="accent1"/>
+                </a:solidFill>
+              </a14:hiddenFill>
+            </a:ext>
+            <a:ext uri="{91240B29-F687-4F45-9708-019B960494DF}">
+              <a14:hiddenLine xmlns:a14="http://schemas.microsoft.com/office/drawing/2010/main" w="9525">
+                <a:solidFill>
+                  <a:schemeClr val="tx1"/>
+                </a:solidFill>
+                <a:miter lim="800000"/>
+                <a:headEnd/>
+                <a:tailEnd/>
+              </a14:hiddenLine>
+            </a:ext>
+            <a:ext uri="{AF507438-7753-43E0-B8FC-AC1667EBCBE1}">
+              <a14:hiddenEffects xmlns:a14="http://schemas.microsoft.com/office/drawing/2010/main">
+                <a:effectLst>
+                  <a:outerShdw dist="35921" dir="2700000" algn="ctr" rotWithShape="0">
+                    <a:schemeClr val="bg2"/>
+                  </a:outerShdw>
+                </a:effectLst>
+              </a14:hiddenEffects>
+            </a:ext>
+          </a:extLst>
+        </p:spPr>
+      </p:pic>
+      <p:pic>
+        <p:nvPicPr>
+          <p:cNvPr id="1026" name="Picture 2"/>
+          <p:cNvPicPr>
+            <a:picLocks noChangeAspect="1" noChangeArrowheads="1"/>
+          </p:cNvPicPr>
+          <p:nvPr/>
+        </p:nvPicPr>
+        <p:blipFill>
+          <a:blip r:embed="rId4">
+            <a:extLst>
+              <a:ext uri="{28A0092B-C50C-407E-A947-70E740481C1C}">
+                <a14:useLocalDpi xmlns:a14="http://schemas.microsoft.com/office/drawing/2010/main" val="0"/>
+              </a:ext>
+            </a:extLst>
+          </a:blip>
+          <a:srcRect/>
+          <a:stretch>
+            <a:fillRect/>
+          </a:stretch>
+        </p:blipFill>
+        <p:spPr bwMode="auto">
+          <a:xfrm>
+            <a:off x="540847" y="2015783"/>
+            <a:ext cx="3398837" cy="3300413"/>
+          </a:xfrm>
+          <a:prstGeom prst="rect">
+            <a:avLst/>
+          </a:prstGeom>
+          <a:noFill/>
+          <a:ln>
+            <a:noFill/>
+          </a:ln>
+          <a:effectLst/>
+          <a:extLst>
+            <a:ext uri="{909E8E84-426E-40DD-AFC4-6F175D3DCCD1}">
+              <a14:hiddenFill xmlns:a14="http://schemas.microsoft.com/office/drawing/2010/main">
+                <a:solidFill>
+                  <a:schemeClr val="accent1"/>
+                </a:solidFill>
+              </a14:hiddenFill>
+            </a:ext>
+            <a:ext uri="{91240B29-F687-4F45-9708-019B960494DF}">
+              <a14:hiddenLine xmlns:a14="http://schemas.microsoft.com/office/drawing/2010/main" w="9525">
+                <a:solidFill>
+                  <a:schemeClr val="tx1"/>
+                </a:solidFill>
+                <a:miter lim="800000"/>
+                <a:headEnd/>
+                <a:tailEnd/>
+              </a14:hiddenLine>
+            </a:ext>
+            <a:ext uri="{AF507438-7753-43E0-B8FC-AC1667EBCBE1}">
+              <a14:hiddenEffects xmlns:a14="http://schemas.microsoft.com/office/drawing/2010/main">
+                <a:effectLst>
+                  <a:outerShdw dist="35921" dir="2700000" algn="ctr" rotWithShape="0">
+                    <a:schemeClr val="bg2"/>
+                  </a:outerShdw>
+                </a:effectLst>
+              </a14:hiddenEffects>
+            </a:ext>
+          </a:extLst>
+        </p:spPr>
+      </p:pic>
+      <p:sp>
+        <p:nvSpPr>
+          <p:cNvPr id="2" name="Title 1"/>
+          <p:cNvSpPr>
+            <a:spLocks noGrp="1"/>
+          </p:cNvSpPr>
+          <p:nvPr>
+            <p:ph type="title"/>
+          </p:nvPr>
+        </p:nvSpPr>
+        <p:spPr>
+          <a:xfrm>
+            <a:off x="251586" y="244158"/>
+            <a:ext cx="8637831" cy="1339850"/>
+          </a:xfrm>
+        </p:spPr>
+        <p:txBody>
+          <a:bodyPr anchor="t"/>
+          <a:lstStyle/>
+          <a:p>
+            <a:pPr algn="l"/>
+            <a:r>
+              <a:rPr lang="en-US" smtClean="0"/>
+              <a:t>Clone Repository</a:t>
+            </a:r>
+            <a:endParaRPr lang="en-US" dirty="0"/>
+          </a:p>
+        </p:txBody>
+      </p:sp>
+      <p:sp>
+        <p:nvSpPr>
+          <p:cNvPr id="11" name="Oval 10"/>
+          <p:cNvSpPr/>
+          <p:nvPr/>
+        </p:nvSpPr>
+        <p:spPr>
+          <a:xfrm>
+            <a:off x="432192" y="3474833"/>
+            <a:ext cx="581418" cy="424206"/>
+          </a:xfrm>
+          <a:prstGeom prst="ellipse">
+            <a:avLst/>
+          </a:prstGeom>
+          <a:noFill/>
+          <a:ln w="38100">
+            <a:solidFill>
+              <a:srgbClr val="FF0000"/>
+            </a:solidFill>
+          </a:ln>
+        </p:spPr>
+        <p:style>
+          <a:lnRef idx="2">
+            <a:schemeClr val="accent1">
+              <a:shade val="50000"/>
+            </a:schemeClr>
+          </a:lnRef>
+          <a:fillRef idx="1">
+            <a:schemeClr val="accent1"/>
+          </a:fillRef>
+          <a:effectRef idx="0">
+            <a:schemeClr val="accent1"/>
+          </a:effectRef>
+          <a:fontRef idx="minor">
+            <a:schemeClr val="lt1"/>
+          </a:fontRef>
+        </p:style>
+        <p:txBody>
+          <a:bodyPr rtlCol="0" anchor="ctr"/>
+          <a:lstStyle/>
+          <a:p>
+            <a:pPr algn="ctr"/>
+            <a:endParaRPr lang="en-GB"/>
+          </a:p>
+        </p:txBody>
+      </p:sp>
+      <p:sp>
+        <p:nvSpPr>
+          <p:cNvPr id="15" name="Oval 14"/>
+          <p:cNvSpPr/>
+          <p:nvPr/>
+        </p:nvSpPr>
+        <p:spPr>
+          <a:xfrm>
+            <a:off x="1108711" y="4013600"/>
+            <a:ext cx="2586201" cy="424206"/>
+          </a:xfrm>
+          <a:prstGeom prst="ellipse">
+            <a:avLst/>
+          </a:prstGeom>
+          <a:noFill/>
+          <a:ln w="38100">
+            <a:solidFill>
+              <a:srgbClr val="FF0000"/>
+            </a:solidFill>
+          </a:ln>
+        </p:spPr>
+        <p:style>
+          <a:lnRef idx="2">
+            <a:schemeClr val="accent1">
+              <a:shade val="50000"/>
+            </a:schemeClr>
+          </a:lnRef>
+          <a:fillRef idx="1">
+            <a:schemeClr val="accent1"/>
+          </a:fillRef>
+          <a:effectRef idx="0">
+            <a:schemeClr val="accent1"/>
+          </a:effectRef>
+          <a:fontRef idx="minor">
+            <a:schemeClr val="lt1"/>
+          </a:fontRef>
+        </p:style>
+        <p:txBody>
+          <a:bodyPr rtlCol="0" anchor="ctr"/>
+          <a:lstStyle/>
+          <a:p>
+            <a:pPr algn="ctr"/>
+            <a:endParaRPr lang="en-GB"/>
+          </a:p>
+        </p:txBody>
+      </p:sp>
+      <p:sp>
+        <p:nvSpPr>
+          <p:cNvPr id="20" name="Oval 19"/>
+          <p:cNvSpPr/>
+          <p:nvPr/>
+        </p:nvSpPr>
+        <p:spPr>
+          <a:xfrm>
+            <a:off x="5224818" y="4365153"/>
+            <a:ext cx="2855496" cy="424206"/>
+          </a:xfrm>
+          <a:prstGeom prst="ellipse">
+            <a:avLst/>
+          </a:prstGeom>
+          <a:noFill/>
+          <a:ln w="38100">
+            <a:solidFill>
+              <a:srgbClr val="FF0000"/>
+            </a:solidFill>
+          </a:ln>
+        </p:spPr>
+        <p:style>
+          <a:lnRef idx="2">
+            <a:schemeClr val="accent1">
+              <a:shade val="50000"/>
+            </a:schemeClr>
+          </a:lnRef>
+          <a:fillRef idx="1">
+            <a:schemeClr val="accent1"/>
+          </a:fillRef>
+          <a:effectRef idx="0">
+            <a:schemeClr val="accent1"/>
+          </a:effectRef>
+          <a:fontRef idx="minor">
+            <a:schemeClr val="lt1"/>
+          </a:fontRef>
+        </p:style>
+        <p:txBody>
+          <a:bodyPr rtlCol="0" anchor="ctr"/>
+          <a:lstStyle/>
+          <a:p>
+            <a:pPr algn="ctr"/>
+            <a:endParaRPr lang="en-GB"/>
+          </a:p>
+        </p:txBody>
+      </p:sp>
+      <p:sp>
+        <p:nvSpPr>
+          <p:cNvPr id="22" name="TextBox 21"/>
+          <p:cNvSpPr txBox="1"/>
+          <p:nvPr/>
+        </p:nvSpPr>
+        <p:spPr>
+          <a:xfrm>
+            <a:off x="62747" y="3244159"/>
+            <a:ext cx="551543" cy="769441"/>
+          </a:xfrm>
+          <a:prstGeom prst="rect">
+            <a:avLst/>
+          </a:prstGeom>
+          <a:noFill/>
+        </p:spPr>
+        <p:txBody>
+          <a:bodyPr wrap="square" rtlCol="0">
+            <a:spAutoFit/>
+          </a:bodyPr>
+          <a:lstStyle/>
+          <a:p>
+            <a:r>
+              <a:rPr lang="en-GB" sz="4400" b="1" smtClean="0">
+                <a:solidFill>
+                  <a:srgbClr val="FF0000"/>
+                </a:solidFill>
+              </a:rPr>
+              <a:t>1</a:t>
+            </a:r>
+            <a:endParaRPr lang="en-GB" sz="4400" b="1">
+              <a:solidFill>
+                <a:srgbClr val="FF0000"/>
+              </a:solidFill>
+            </a:endParaRPr>
+          </a:p>
+        </p:txBody>
+      </p:sp>
+      <p:sp>
+        <p:nvSpPr>
+          <p:cNvPr id="23" name="TextBox 22"/>
+          <p:cNvSpPr txBox="1"/>
+          <p:nvPr/>
+        </p:nvSpPr>
+        <p:spPr>
+          <a:xfrm>
+            <a:off x="722901" y="3923069"/>
+            <a:ext cx="551543" cy="769441"/>
+          </a:xfrm>
+          <a:prstGeom prst="rect">
+            <a:avLst/>
+          </a:prstGeom>
+          <a:noFill/>
+        </p:spPr>
+        <p:txBody>
+          <a:bodyPr wrap="square" rtlCol="0">
+            <a:spAutoFit/>
+          </a:bodyPr>
+          <a:lstStyle/>
+          <a:p>
+            <a:r>
+              <a:rPr lang="en-GB" sz="4400" b="1" smtClean="0">
+                <a:solidFill>
+                  <a:srgbClr val="FF0000"/>
+                </a:solidFill>
+              </a:rPr>
+              <a:t>2</a:t>
+            </a:r>
+            <a:endParaRPr lang="en-GB" sz="4400" b="1">
+              <a:solidFill>
+                <a:srgbClr val="FF0000"/>
+              </a:solidFill>
+            </a:endParaRPr>
+          </a:p>
+        </p:txBody>
+      </p:sp>
+      <p:sp>
+        <p:nvSpPr>
+          <p:cNvPr id="24" name="TextBox 23"/>
+          <p:cNvSpPr txBox="1"/>
+          <p:nvPr/>
+        </p:nvSpPr>
+        <p:spPr>
+          <a:xfrm>
+            <a:off x="4673275" y="4126942"/>
+            <a:ext cx="551543" cy="769441"/>
+          </a:xfrm>
+          <a:prstGeom prst="rect">
+            <a:avLst/>
+          </a:prstGeom>
+          <a:noFill/>
+        </p:spPr>
+        <p:txBody>
+          <a:bodyPr wrap="square" rtlCol="0">
+            <a:spAutoFit/>
+          </a:bodyPr>
+          <a:lstStyle/>
+          <a:p>
+            <a:r>
+              <a:rPr lang="en-GB" sz="4400" b="1" smtClean="0">
+                <a:solidFill>
+                  <a:srgbClr val="FF0000"/>
+                </a:solidFill>
+              </a:rPr>
+              <a:t>3</a:t>
+            </a:r>
+            <a:endParaRPr lang="en-GB" sz="4400" b="1">
+              <a:solidFill>
+                <a:srgbClr val="FF0000"/>
+              </a:solidFill>
+            </a:endParaRPr>
+          </a:p>
+        </p:txBody>
+      </p:sp>
+      <p:sp>
+        <p:nvSpPr>
+          <p:cNvPr id="3" name="TextBox 2"/>
+          <p:cNvSpPr txBox="1"/>
+          <p:nvPr/>
+        </p:nvSpPr>
+        <p:spPr>
+          <a:xfrm>
+            <a:off x="4257546" y="2714879"/>
+            <a:ext cx="4186659" cy="923330"/>
+          </a:xfrm>
+          <a:prstGeom prst="rect">
+            <a:avLst/>
+          </a:prstGeom>
+          <a:noFill/>
+        </p:spPr>
+        <p:txBody>
+          <a:bodyPr wrap="square" rtlCol="0">
+            <a:spAutoFit/>
+          </a:bodyPr>
+          <a:lstStyle/>
+          <a:p>
+            <a:r>
+              <a:rPr lang="en-GB" b="1" smtClean="0"/>
+              <a:t>If git is not already installed: </a:t>
+            </a:r>
+          </a:p>
+          <a:p>
+            <a:pPr marL="742950" lvl="1" indent="-285750">
+              <a:buFont typeface="Arial" panose="020B0604020202020204" pitchFamily="34" charset="0"/>
+              <a:buChar char="•"/>
+            </a:pPr>
+            <a:r>
+              <a:rPr lang="en-GB" b="1" smtClean="0"/>
+              <a:t>select install git</a:t>
+            </a:r>
+          </a:p>
+          <a:p>
+            <a:pPr marL="742950" lvl="1" indent="-285750">
+              <a:buFont typeface="Arial" panose="020B0604020202020204" pitchFamily="34" charset="0"/>
+              <a:buChar char="•"/>
+            </a:pPr>
+            <a:r>
+              <a:rPr lang="en-GB" b="1" smtClean="0"/>
+              <a:t>choose all default options</a:t>
+            </a:r>
+            <a:endParaRPr lang="en-GB" b="1"/>
+          </a:p>
+        </p:txBody>
+      </p:sp>
+    </p:spTree>
+    <p:extLst>
+      <p:ext uri="{BB962C8B-B14F-4D97-AF65-F5344CB8AC3E}">
+        <p14:creationId xmlns:p14="http://schemas.microsoft.com/office/powerpoint/2010/main" val="2936221018"/>
+      </p:ext>
+    </p:extLst>
+  </p:cSld>
+  <p:clrMapOvr>
+    <a:masterClrMapping/>
+  </p:clrMapOvr>
+  <p:timing>
+    <p:tnLst>
+      <p:par>
+        <p:cTn id="1" dur="indefinite" restart="never" nodeType="tmRoot"/>
+      </p:par>
+    </p:tnLst>
+  </p:timing>
+</p:sld>
+</file>
+
+<file path=ppt/slides/slide5.xml><?xml version="1.0" encoding="utf-8"?>
+<p:sld xmlns:a="http://schemas.openxmlformats.org/drawingml/2006/main" xmlns:r="http://schemas.openxmlformats.org/officeDocument/2006/relationships" xmlns:p="http://schemas.openxmlformats.org/presentationml/2006/main">
+  <p:cSld>
+    <p:spTree>
+      <p:nvGrpSpPr>
+        <p:cNvPr id="1" name=""/>
+        <p:cNvGrpSpPr/>
+        <p:nvPr/>
+      </p:nvGrpSpPr>
+      <p:grpSpPr>
+        <a:xfrm>
+          <a:off x="0" y="0"/>
+          <a:ext cx="0" cy="0"/>
+          <a:chOff x="0" y="0"/>
+          <a:chExt cx="0" cy="0"/>
+        </a:xfrm>
+      </p:grpSpPr>
+      <p:pic>
+        <p:nvPicPr>
+          <p:cNvPr id="4" name="Picture 2"/>
+          <p:cNvPicPr>
+            <a:picLocks noChangeAspect="1" noChangeArrowheads="1"/>
+          </p:cNvPicPr>
+          <p:nvPr/>
+        </p:nvPicPr>
+        <p:blipFill>
+          <a:blip r:embed="rId3">
+            <a:extLst>
+              <a:ext uri="{28A0092B-C50C-407E-A947-70E740481C1C}">
+                <a14:useLocalDpi xmlns:a14="http://schemas.microsoft.com/office/drawing/2010/main" val="0"/>
+              </a:ext>
+            </a:extLst>
+          </a:blip>
+          <a:srcRect/>
+          <a:stretch>
+            <a:fillRect/>
+          </a:stretch>
+        </p:blipFill>
+        <p:spPr bwMode="auto">
+          <a:xfrm>
+            <a:off x="1869106" y="3411473"/>
+            <a:ext cx="3943350" cy="2590800"/>
+          </a:xfrm>
+          <a:prstGeom prst="rect">
+            <a:avLst/>
+          </a:prstGeom>
+          <a:noFill/>
+          <a:ln>
+            <a:noFill/>
+          </a:ln>
+          <a:effectLst/>
+          <a:extLst>
+            <a:ext uri="{909E8E84-426E-40DD-AFC4-6F175D3DCCD1}">
+              <a14:hiddenFill xmlns:a14="http://schemas.microsoft.com/office/drawing/2010/main">
+                <a:solidFill>
+                  <a:schemeClr val="accent1"/>
+                </a:solidFill>
+              </a14:hiddenFill>
+            </a:ext>
+            <a:ext uri="{91240B29-F687-4F45-9708-019B960494DF}">
+              <a14:hiddenLine xmlns:a14="http://schemas.microsoft.com/office/drawing/2010/main" w="9525">
+                <a:solidFill>
+                  <a:schemeClr val="tx1"/>
+                </a:solidFill>
+                <a:miter lim="800000"/>
+                <a:headEnd/>
+                <a:tailEnd/>
+              </a14:hiddenLine>
+            </a:ext>
+            <a:ext uri="{AF507438-7753-43E0-B8FC-AC1667EBCBE1}">
+              <a14:hiddenEffects xmlns:a14="http://schemas.microsoft.com/office/drawing/2010/main">
+                <a:effectLst>
+                  <a:outerShdw dist="35921" dir="2700000" algn="ctr" rotWithShape="0">
+                    <a:schemeClr val="bg2"/>
+                  </a:outerShdw>
+                </a:effectLst>
+              </a14:hiddenEffects>
+            </a:ext>
+          </a:extLst>
+        </p:spPr>
+      </p:pic>
+      <p:sp>
+        <p:nvSpPr>
+          <p:cNvPr id="2" name="Title 1"/>
+          <p:cNvSpPr>
+            <a:spLocks noGrp="1"/>
+          </p:cNvSpPr>
+          <p:nvPr>
+            <p:ph type="title"/>
+          </p:nvPr>
+        </p:nvSpPr>
+        <p:spPr>
+          <a:xfrm>
+            <a:off x="251586" y="244158"/>
+            <a:ext cx="8637831" cy="1339850"/>
+          </a:xfrm>
+        </p:spPr>
+        <p:txBody>
+          <a:bodyPr anchor="t"/>
+          <a:lstStyle/>
+          <a:p>
+            <a:pPr algn="l"/>
+            <a:r>
+              <a:rPr lang="en-US" smtClean="0"/>
+              <a:t>Clone to local folder</a:t>
+            </a:r>
+            <a:endParaRPr lang="en-US" dirty="0"/>
+          </a:p>
+        </p:txBody>
+      </p:sp>
+      <p:sp>
+        <p:nvSpPr>
+          <p:cNvPr id="11" name="Oval 10"/>
+          <p:cNvSpPr/>
+          <p:nvPr/>
+        </p:nvSpPr>
+        <p:spPr>
+          <a:xfrm>
+            <a:off x="2046387" y="4649458"/>
+            <a:ext cx="2721555" cy="424206"/>
+          </a:xfrm>
+          <a:prstGeom prst="ellipse">
+            <a:avLst/>
+          </a:prstGeom>
+          <a:noFill/>
+          <a:ln w="38100">
+            <a:solidFill>
+              <a:srgbClr val="FF0000"/>
+            </a:solidFill>
+          </a:ln>
+        </p:spPr>
+        <p:style>
+          <a:lnRef idx="2">
+            <a:schemeClr val="accent1">
+              <a:shade val="50000"/>
+            </a:schemeClr>
+          </a:lnRef>
+          <a:fillRef idx="1">
+            <a:schemeClr val="accent1"/>
+          </a:fillRef>
+          <a:effectRef idx="0">
+            <a:schemeClr val="accent1"/>
+          </a:effectRef>
+          <a:fontRef idx="minor">
+            <a:schemeClr val="lt1"/>
+          </a:fontRef>
+        </p:style>
+        <p:txBody>
+          <a:bodyPr rtlCol="0" anchor="ctr"/>
+          <a:lstStyle/>
+          <a:p>
+            <a:pPr algn="ctr"/>
+            <a:endParaRPr lang="en-GB"/>
+          </a:p>
+        </p:txBody>
+      </p:sp>
+      <p:sp>
+        <p:nvSpPr>
+          <p:cNvPr id="5" name="TextBox 4"/>
+          <p:cNvSpPr txBox="1"/>
+          <p:nvPr/>
+        </p:nvSpPr>
+        <p:spPr>
+          <a:xfrm>
+            <a:off x="447869" y="2319062"/>
+            <a:ext cx="7455159" cy="954107"/>
+          </a:xfrm>
+          <a:prstGeom prst="rect">
+            <a:avLst/>
+          </a:prstGeom>
+          <a:noFill/>
+        </p:spPr>
+        <p:txBody>
+          <a:bodyPr wrap="square" rtlCol="0">
+            <a:spAutoFit/>
+          </a:bodyPr>
+          <a:lstStyle/>
+          <a:p>
+            <a:r>
+              <a:rPr lang="en-GB" sz="2800" b="1" smtClean="0"/>
+              <a:t>In file explorer:</a:t>
+            </a:r>
+          </a:p>
+          <a:p>
+            <a:pPr marL="914400" lvl="1" indent="-457200">
+              <a:buFont typeface="Arial" panose="020B0604020202020204" pitchFamily="34" charset="0"/>
+              <a:buChar char="•"/>
+            </a:pPr>
+            <a:r>
+              <a:rPr lang="en-GB" sz="2800" b="1" smtClean="0"/>
+              <a:t>Open powerpoint presentations</a:t>
+            </a:r>
+            <a:endParaRPr lang="en-GB" sz="2800" b="1"/>
+          </a:p>
+        </p:txBody>
+      </p:sp>
+    </p:spTree>
+    <p:extLst>
+      <p:ext uri="{BB962C8B-B14F-4D97-AF65-F5344CB8AC3E}">
+        <p14:creationId xmlns:p14="http://schemas.microsoft.com/office/powerpoint/2010/main" val="172121683"/>
+      </p:ext>
+    </p:extLst>
+  </p:cSld>
+  <p:clrMapOvr>
+    <a:masterClrMapping/>
+  </p:clrMapOvr>
+  <p:timing>
+    <p:tnLst>
+      <p:par>
+        <p:cTn id="1" dur="indefinite" restart="never" nodeType="tmRoot"/>
+      </p:par>
+    </p:tnLst>
+  </p:timing>
+</p:sld>
+</file>
+
+<file path=ppt/slides/slide6.xml><?xml version="1.0" encoding="utf-8"?>
+<p:sld xmlns:a="http://schemas.openxmlformats.org/drawingml/2006/main" xmlns:r="http://schemas.openxmlformats.org/officeDocument/2006/relationships" xmlns:p="http://schemas.openxmlformats.org/presentationml/2006/main">
+  <p:cSld>
+    <p:spTree>
+      <p:nvGrpSpPr>
+        <p:cNvPr id="1" name=""/>
+        <p:cNvGrpSpPr/>
+        <p:nvPr/>
+      </p:nvGrpSpPr>
+      <p:grpSpPr>
+        <a:xfrm>
+          <a:off x="0" y="0"/>
+          <a:ext cx="0" cy="0"/>
+          <a:chOff x="0" y="0"/>
+          <a:chExt cx="0" cy="0"/>
+        </a:xfrm>
+      </p:grpSpPr>
+      <p:sp>
+        <p:nvSpPr>
+          <p:cNvPr id="2" name="Title 1"/>
+          <p:cNvSpPr>
+            <a:spLocks noGrp="1"/>
+          </p:cNvSpPr>
+          <p:nvPr>
+            <p:ph type="title"/>
+          </p:nvPr>
+        </p:nvSpPr>
+        <p:spPr>
+          <a:xfrm>
+            <a:off x="251586" y="244158"/>
+            <a:ext cx="8637831" cy="1339850"/>
+          </a:xfrm>
+        </p:spPr>
+        <p:txBody>
+          <a:bodyPr anchor="t"/>
+          <a:lstStyle/>
+          <a:p>
+            <a:pPr algn="l"/>
+            <a:r>
+              <a:rPr lang="en-US" smtClean="0"/>
+              <a:t>Materials</a:t>
+            </a:r>
+            <a:endParaRPr lang="en-US" dirty="0"/>
+          </a:p>
+        </p:txBody>
+      </p:sp>
+      <p:sp>
+        <p:nvSpPr>
+          <p:cNvPr id="16" name="Rectangle 15"/>
+          <p:cNvSpPr/>
+          <p:nvPr/>
+        </p:nvSpPr>
+        <p:spPr>
+          <a:xfrm>
+            <a:off x="542822" y="2468830"/>
+            <a:ext cx="6831106" cy="3108543"/>
+          </a:xfrm>
+          <a:prstGeom prst="rect">
+            <a:avLst/>
+          </a:prstGeom>
+        </p:spPr>
+        <p:txBody>
+          <a:bodyPr wrap="square">
+            <a:spAutoFit/>
+          </a:bodyPr>
+          <a:lstStyle/>
+          <a:p>
+            <a:r>
+              <a:rPr lang="en-GB" sz="2800" dirty="0" smtClean="0">
+                <a:latin typeface="Lucida Sans" panose="020B0602030504020204" pitchFamily="34" charset="0"/>
+                <a:hlinkClick r:id="rId3"/>
+              </a:rPr>
+              <a:t>https://gitlab.com/qacpp/python.git</a:t>
+            </a:r>
+            <a:endParaRPr lang="en-GB" sz="2800" dirty="0" smtClean="0">
+              <a:latin typeface="Lucida Sans" panose="020B0602030504020204" pitchFamily="34" charset="0"/>
+            </a:endParaRPr>
+          </a:p>
+          <a:p>
+            <a:endParaRPr lang="en-GB" sz="2800" dirty="0">
+              <a:latin typeface="Lucida Sans" panose="020B0602030504020204" pitchFamily="34" charset="0"/>
+            </a:endParaRPr>
+          </a:p>
+          <a:p>
+            <a:r>
+              <a:rPr lang="en-GB" sz="2800" smtClean="0">
+                <a:latin typeface="Lucida Sans" panose="020B0602030504020204" pitchFamily="34" charset="0"/>
+              </a:rPr>
+              <a:t>Get official course guide from:</a:t>
+            </a:r>
+          </a:p>
+          <a:p>
+            <a:pPr lvl="1"/>
+            <a:r>
+              <a:rPr lang="en-GB" sz="2800" smtClean="0">
+                <a:latin typeface="Lucida Sans" panose="020B0602030504020204" pitchFamily="34" charset="0"/>
+                <a:hlinkClick r:id="rId4"/>
+              </a:rPr>
+              <a:t>https</a:t>
+            </a:r>
+            <a:r>
+              <a:rPr lang="en-GB" sz="2800">
+                <a:latin typeface="Lucida Sans" panose="020B0602030504020204" pitchFamily="34" charset="0"/>
+                <a:hlinkClick r:id="rId4"/>
+              </a:rPr>
+              <a:t>://mimeo.digital</a:t>
+            </a:r>
+            <a:r>
+              <a:rPr lang="en-GB" sz="2800" smtClean="0">
+                <a:latin typeface="Lucida Sans" panose="020B0602030504020204" pitchFamily="34" charset="0"/>
+                <a:hlinkClick r:id="rId4"/>
+              </a:rPr>
+              <a:t>/</a:t>
+            </a:r>
+            <a:endParaRPr lang="en-GB" sz="2800" smtClean="0">
+              <a:latin typeface="Lucida Sans" panose="020B0602030504020204" pitchFamily="34" charset="0"/>
+            </a:endParaRPr>
+          </a:p>
+          <a:p>
+            <a:pPr lvl="1"/>
+            <a:r>
+              <a:rPr lang="en-GB" sz="2800">
+                <a:latin typeface="Lucida Sans" panose="020B0602030504020204" pitchFamily="34" charset="0"/>
+              </a:rPr>
+              <a:t>C</a:t>
+            </a:r>
+            <a:r>
+              <a:rPr lang="en-GB" sz="2800" smtClean="0">
+                <a:latin typeface="Lucida Sans" panose="020B0602030504020204" pitchFamily="34" charset="0"/>
+              </a:rPr>
+              <a:t>reate account</a:t>
+            </a:r>
+            <a:endParaRPr lang="en-GB" sz="2800">
+              <a:latin typeface="Lucida Sans" panose="020B0602030504020204" pitchFamily="34" charset="0"/>
+            </a:endParaRPr>
+          </a:p>
+          <a:p>
+            <a:pPr lvl="1"/>
+            <a:r>
+              <a:rPr lang="en-GB" sz="2800" smtClean="0">
+                <a:latin typeface="Lucida Sans" panose="020B0602030504020204" pitchFamily="34" charset="0"/>
+              </a:rPr>
+              <a:t>Redeem a Key: GBQ9TPLCTJLU</a:t>
+            </a:r>
+            <a:endParaRPr lang="en-GB" sz="2800" dirty="0" smtClean="0">
+              <a:latin typeface="Lucida Sans" panose="020B0602030504020204" pitchFamily="34" charset="0"/>
+            </a:endParaRPr>
+          </a:p>
+          <a:p>
+            <a:endParaRPr lang="en-GB" sz="2800" dirty="0" smtClean="0">
+              <a:latin typeface="Lucida Sans" panose="020B0602030504020204" pitchFamily="34" charset="0"/>
+            </a:endParaRPr>
+          </a:p>
+        </p:txBody>
+      </p:sp>
+    </p:spTree>
+    <p:extLst>
+      <p:ext uri="{BB962C8B-B14F-4D97-AF65-F5344CB8AC3E}">
+        <p14:creationId xmlns:p14="http://schemas.microsoft.com/office/powerpoint/2010/main" val="752976626"/>
+      </p:ext>
+    </p:extLst>
+  </p:cSld>
+  <p:clrMapOvr>
+    <a:masterClrMapping/>
+  </p:clrMapOvr>
+  <p:timing>
+    <p:tnLst>
+      <p:par>
+        <p:cTn id="1" dur="indefinite" restart="never" nodeType="tmRoot"/>
+      </p:par>
+    </p:tnLst>
+  </p:timing>
+</p:sld>
+</file>
+
+<file path=ppt/slides/slide7.xml><?xml version="1.0" encoding="utf-8"?>
+<p:sld xmlns:a="http://schemas.openxmlformats.org/drawingml/2006/main" xmlns:r="http://schemas.openxmlformats.org/officeDocument/2006/relationships" xmlns:p="http://schemas.openxmlformats.org/presentationml/2006/main">
+  <p:cSld>
+    <p:spTree>
+      <p:nvGrpSpPr>
+        <p:cNvPr id="1" name=""/>
+        <p:cNvGrpSpPr/>
+        <p:nvPr/>
+      </p:nvGrpSpPr>
+      <p:grpSpPr>
+        <a:xfrm>
+          <a:off x="0" y="0"/>
+          <a:ext cx="0" cy="0"/>
+          <a:chOff x="0" y="0"/>
+          <a:chExt cx="0" cy="0"/>
+        </a:xfrm>
+      </p:grpSpPr>
+      <p:pic>
+        <p:nvPicPr>
           <p:cNvPr id="2053" name="Picture 5"/>
           <p:cNvPicPr>
             <a:picLocks noChangeAspect="1" noChangeArrowheads="1"/>
@@ -16215,8 +17810,8 @@
           <a:p>
             <a:pPr algn="l"/>
             <a:r>
-              <a:rPr lang="en-US" dirty="0" smtClean="0"/>
-              <a:t>Create a file</a:t>
+              <a:rPr lang="en-US" smtClean="0"/>
+              <a:t>Open Folder</a:t>
             </a:r>
             <a:endParaRPr lang="en-US" dirty="0"/>
           </a:p>
@@ -16380,52 +17975,6 @@
       </p:sp>
       <p:sp>
         <p:nvSpPr>
-          <p:cNvPr id="17" name="Oval 16"/>
-          <p:cNvSpPr/>
-          <p:nvPr/>
-        </p:nvSpPr>
-        <p:spPr>
-          <a:xfrm>
-            <a:off x="7038753" y="4944283"/>
-            <a:ext cx="581418" cy="424206"/>
-          </a:xfrm>
-          <a:prstGeom prst="ellipse">
-            <a:avLst/>
-          </a:prstGeom>
-          <a:noFill/>
-          <a:ln w="38100">
-            <a:solidFill>
-              <a:srgbClr val="FF0000"/>
-            </a:solidFill>
-          </a:ln>
-        </p:spPr>
-        <p:style>
-          <a:lnRef idx="2">
-            <a:schemeClr val="accent1">
-              <a:shade val="50000"/>
-            </a:schemeClr>
-          </a:lnRef>
-          <a:fillRef idx="1">
-            <a:schemeClr val="accent1"/>
-          </a:fillRef>
-          <a:effectRef idx="0">
-            <a:schemeClr val="accent1"/>
-          </a:effectRef>
-          <a:fontRef idx="minor">
-            <a:schemeClr val="lt1"/>
-          </a:fontRef>
-        </p:style>
-        <p:txBody>
-          <a:bodyPr rtlCol="0" anchor="ctr"/>
-          <a:lstStyle/>
-          <a:p>
-            <a:pPr algn="ctr"/>
-            <a:endParaRPr lang="en-GB"/>
-          </a:p>
-        </p:txBody>
-      </p:sp>
-      <p:sp>
-        <p:nvSpPr>
           <p:cNvPr id="20" name="Oval 19"/>
           <p:cNvSpPr/>
           <p:nvPr/>
@@ -16548,44 +18097,6 @@
       </p:sp>
       <p:sp>
         <p:nvSpPr>
-          <p:cNvPr id="24" name="TextBox 23"/>
-          <p:cNvSpPr txBox="1"/>
-          <p:nvPr/>
-        </p:nvSpPr>
-        <p:spPr>
-          <a:xfrm>
-            <a:off x="6741880" y="4376252"/>
-            <a:ext cx="551543" cy="769441"/>
-          </a:xfrm>
-          <a:prstGeom prst="rect">
-            <a:avLst/>
-          </a:prstGeom>
-          <a:noFill/>
-        </p:spPr>
-        <p:txBody>
-          <a:bodyPr wrap="square" rtlCol="0">
-            <a:spAutoFit/>
-          </a:bodyPr>
-          <a:lstStyle/>
-          <a:p>
-            <a:r>
-              <a:rPr lang="en-GB" sz="4400" b="1" smtClean="0">
-                <a:solidFill>
-                  <a:srgbClr val="FF0000"/>
-                </a:solidFill>
-              </a:rPr>
-              <a:t>3</a:t>
-            </a:r>
-            <a:endParaRPr lang="en-GB" sz="4400" b="1">
-              <a:solidFill>
-                <a:srgbClr val="FF0000"/>
-              </a:solidFill>
-            </a:endParaRPr>
-          </a:p>
-        </p:txBody>
-      </p:sp>
-      <p:sp>
-        <p:nvSpPr>
           <p:cNvPr id="25" name="TextBox 24"/>
           <p:cNvSpPr txBox="1"/>
           <p:nvPr/>
@@ -16637,7 +18148,7 @@
 </p:sld>
 </file>
 
-<file path=ppt/slides/slide5.xml><?xml version="1.0" encoding="utf-8"?>
+<file path=ppt/slides/slide8.xml><?xml version="1.0" encoding="utf-8"?>
 <p:sld xmlns:a="http://schemas.openxmlformats.org/drawingml/2006/main" xmlns:r="http://schemas.openxmlformats.org/officeDocument/2006/relationships" xmlns:p="http://schemas.openxmlformats.org/presentationml/2006/main">
   <p:cSld>
     <p:spTree>
@@ -17019,7 +18530,7 @@
 </p:sld>
 </file>
 
-<file path=ppt/slides/slide6.xml><?xml version="1.0" encoding="utf-8"?>
+<file path=ppt/slides/slide9.xml><?xml version="1.0" encoding="utf-8"?>
 <p:sld xmlns:a="http://schemas.openxmlformats.org/drawingml/2006/main" xmlns:r="http://schemas.openxmlformats.org/officeDocument/2006/relationships" xmlns:p="http://schemas.openxmlformats.org/presentationml/2006/main">
   <p:cSld>
     <p:spTree>
@@ -17449,665 +18960,6 @@
     <p:extLst>
       <p:ext uri="{BB962C8B-B14F-4D97-AF65-F5344CB8AC3E}">
         <p14:creationId xmlns:p14="http://schemas.microsoft.com/office/powerpoint/2010/main" val="4234949267"/>
-      </p:ext>
-    </p:extLst>
-  </p:cSld>
-  <p:clrMapOvr>
-    <a:masterClrMapping/>
-  </p:clrMapOvr>
-  <p:timing>
-    <p:tnLst>
-      <p:par>
-        <p:cTn id="1" dur="indefinite" restart="never" nodeType="tmRoot"/>
-      </p:par>
-    </p:tnLst>
-  </p:timing>
-</p:sld>
-</file>
-
-<file path=ppt/slides/slide7.xml><?xml version="1.0" encoding="utf-8"?>
-<p:sld xmlns:a="http://schemas.openxmlformats.org/drawingml/2006/main" xmlns:r="http://schemas.openxmlformats.org/officeDocument/2006/relationships" xmlns:p="http://schemas.openxmlformats.org/presentationml/2006/main">
-  <p:cSld>
-    <p:spTree>
-      <p:nvGrpSpPr>
-        <p:cNvPr id="1" name=""/>
-        <p:cNvGrpSpPr/>
-        <p:nvPr/>
-      </p:nvGrpSpPr>
-      <p:grpSpPr>
-        <a:xfrm>
-          <a:off x="0" y="0"/>
-          <a:ext cx="0" cy="0"/>
-          <a:chOff x="0" y="0"/>
-          <a:chExt cx="0" cy="0"/>
-        </a:xfrm>
-      </p:grpSpPr>
-      <p:pic>
-        <p:nvPicPr>
-          <p:cNvPr id="5122" name="Picture 2"/>
-          <p:cNvPicPr>
-            <a:picLocks noChangeAspect="1" noChangeArrowheads="1"/>
-          </p:cNvPicPr>
-          <p:nvPr/>
-        </p:nvPicPr>
-        <p:blipFill>
-          <a:blip r:embed="rId3">
-            <a:extLst>
-              <a:ext uri="{28A0092B-C50C-407E-A947-70E740481C1C}">
-                <a14:useLocalDpi xmlns:a14="http://schemas.microsoft.com/office/drawing/2010/main" val="0"/>
-              </a:ext>
-            </a:extLst>
-          </a:blip>
-          <a:srcRect/>
-          <a:stretch>
-            <a:fillRect/>
-          </a:stretch>
-        </p:blipFill>
-        <p:spPr bwMode="auto">
-          <a:xfrm>
-            <a:off x="468393" y="2641264"/>
-            <a:ext cx="5235575" cy="1768475"/>
-          </a:xfrm>
-          <a:prstGeom prst="rect">
-            <a:avLst/>
-          </a:prstGeom>
-          <a:noFill/>
-          <a:ln>
-            <a:noFill/>
-          </a:ln>
-          <a:effectLst/>
-          <a:extLst>
-            <a:ext uri="{909E8E84-426E-40DD-AFC4-6F175D3DCCD1}">
-              <a14:hiddenFill xmlns:a14="http://schemas.microsoft.com/office/drawing/2010/main">
-                <a:solidFill>
-                  <a:schemeClr val="accent1"/>
-                </a:solidFill>
-              </a14:hiddenFill>
-            </a:ext>
-            <a:ext uri="{91240B29-F687-4F45-9708-019B960494DF}">
-              <a14:hiddenLine xmlns:a14="http://schemas.microsoft.com/office/drawing/2010/main" w="9525">
-                <a:solidFill>
-                  <a:schemeClr val="tx1"/>
-                </a:solidFill>
-                <a:miter lim="800000"/>
-                <a:headEnd/>
-                <a:tailEnd/>
-              </a14:hiddenLine>
-            </a:ext>
-            <a:ext uri="{AF507438-7753-43E0-B8FC-AC1667EBCBE1}">
-              <a14:hiddenEffects xmlns:a14="http://schemas.microsoft.com/office/drawing/2010/main">
-                <a:effectLst>
-                  <a:outerShdw dist="35921" dir="2700000" algn="ctr" rotWithShape="0">
-                    <a:schemeClr val="bg2"/>
-                  </a:outerShdw>
-                </a:effectLst>
-              </a14:hiddenEffects>
-            </a:ext>
-          </a:extLst>
-        </p:spPr>
-      </p:pic>
-      <p:sp>
-        <p:nvSpPr>
-          <p:cNvPr id="2" name="Title 1"/>
-          <p:cNvSpPr>
-            <a:spLocks noGrp="1"/>
-          </p:cNvSpPr>
-          <p:nvPr>
-            <p:ph type="title"/>
-          </p:nvPr>
-        </p:nvSpPr>
-        <p:spPr>
-          <a:xfrm>
-            <a:off x="251586" y="244158"/>
-            <a:ext cx="8637831" cy="1339850"/>
-          </a:xfrm>
-        </p:spPr>
-        <p:txBody>
-          <a:bodyPr anchor="t"/>
-          <a:lstStyle/>
-          <a:p>
-            <a:pPr algn="l"/>
-            <a:r>
-              <a:rPr lang="en-US" dirty="0" smtClean="0"/>
-              <a:t>Debug</a:t>
-            </a:r>
-            <a:endParaRPr lang="en-US" dirty="0"/>
-          </a:p>
-        </p:txBody>
-      </p:sp>
-      <p:sp>
-        <p:nvSpPr>
-          <p:cNvPr id="11" name="Oval 10"/>
-          <p:cNvSpPr/>
-          <p:nvPr/>
-        </p:nvSpPr>
-        <p:spPr>
-          <a:xfrm>
-            <a:off x="4280131" y="2641264"/>
-            <a:ext cx="988556" cy="513016"/>
-          </a:xfrm>
-          <a:prstGeom prst="ellipse">
-            <a:avLst/>
-          </a:prstGeom>
-          <a:noFill/>
-          <a:ln w="38100">
-            <a:solidFill>
-              <a:srgbClr val="FF0000"/>
-            </a:solidFill>
-          </a:ln>
-        </p:spPr>
-        <p:style>
-          <a:lnRef idx="2">
-            <a:schemeClr val="accent1">
-              <a:shade val="50000"/>
-            </a:schemeClr>
-          </a:lnRef>
-          <a:fillRef idx="1">
-            <a:schemeClr val="accent1"/>
-          </a:fillRef>
-          <a:effectRef idx="0">
-            <a:schemeClr val="accent1"/>
-          </a:effectRef>
-          <a:fontRef idx="minor">
-            <a:schemeClr val="lt1"/>
-          </a:fontRef>
-        </p:style>
-        <p:txBody>
-          <a:bodyPr rtlCol="0" anchor="ctr"/>
-          <a:lstStyle/>
-          <a:p>
-            <a:pPr algn="ctr"/>
-            <a:endParaRPr lang="en-GB"/>
-          </a:p>
-        </p:txBody>
-      </p:sp>
-      <p:sp>
-        <p:nvSpPr>
-          <p:cNvPr id="7" name="Oval 6"/>
-          <p:cNvSpPr/>
-          <p:nvPr/>
-        </p:nvSpPr>
-        <p:spPr>
-          <a:xfrm>
-            <a:off x="1188580" y="3173598"/>
-            <a:ext cx="1897599" cy="513016"/>
-          </a:xfrm>
-          <a:prstGeom prst="ellipse">
-            <a:avLst/>
-          </a:prstGeom>
-          <a:noFill/>
-          <a:ln w="38100">
-            <a:solidFill>
-              <a:srgbClr val="FF0000"/>
-            </a:solidFill>
-          </a:ln>
-        </p:spPr>
-        <p:style>
-          <a:lnRef idx="2">
-            <a:schemeClr val="accent1">
-              <a:shade val="50000"/>
-            </a:schemeClr>
-          </a:lnRef>
-          <a:fillRef idx="1">
-            <a:schemeClr val="accent1"/>
-          </a:fillRef>
-          <a:effectRef idx="0">
-            <a:schemeClr val="accent1"/>
-          </a:effectRef>
-          <a:fontRef idx="minor">
-            <a:schemeClr val="lt1"/>
-          </a:fontRef>
-        </p:style>
-        <p:txBody>
-          <a:bodyPr rtlCol="0" anchor="ctr"/>
-          <a:lstStyle/>
-          <a:p>
-            <a:pPr algn="ctr"/>
-            <a:endParaRPr lang="en-GB"/>
-          </a:p>
-        </p:txBody>
-      </p:sp>
-      <p:sp>
-        <p:nvSpPr>
-          <p:cNvPr id="9" name="Oval 8"/>
-          <p:cNvSpPr/>
-          <p:nvPr/>
-        </p:nvSpPr>
-        <p:spPr>
-          <a:xfrm>
-            <a:off x="3086180" y="3525501"/>
-            <a:ext cx="2182508" cy="513016"/>
-          </a:xfrm>
-          <a:prstGeom prst="ellipse">
-            <a:avLst/>
-          </a:prstGeom>
-          <a:noFill/>
-          <a:ln w="38100">
-            <a:solidFill>
-              <a:srgbClr val="FF0000"/>
-            </a:solidFill>
-          </a:ln>
-        </p:spPr>
-        <p:style>
-          <a:lnRef idx="2">
-            <a:schemeClr val="accent1">
-              <a:shade val="50000"/>
-            </a:schemeClr>
-          </a:lnRef>
-          <a:fillRef idx="1">
-            <a:schemeClr val="accent1"/>
-          </a:fillRef>
-          <a:effectRef idx="0">
-            <a:schemeClr val="accent1"/>
-          </a:effectRef>
-          <a:fontRef idx="minor">
-            <a:schemeClr val="lt1"/>
-          </a:fontRef>
-        </p:style>
-        <p:txBody>
-          <a:bodyPr rtlCol="0" anchor="ctr"/>
-          <a:lstStyle/>
-          <a:p>
-            <a:pPr algn="ctr"/>
-            <a:endParaRPr lang="en-GB"/>
-          </a:p>
-        </p:txBody>
-      </p:sp>
-      <p:sp>
-        <p:nvSpPr>
-          <p:cNvPr id="10" name="TextBox 9"/>
-          <p:cNvSpPr txBox="1"/>
-          <p:nvPr/>
-        </p:nvSpPr>
-        <p:spPr>
-          <a:xfrm>
-            <a:off x="976382" y="2464825"/>
-            <a:ext cx="1853903" cy="769441"/>
-          </a:xfrm>
-          <a:prstGeom prst="rect">
-            <a:avLst/>
-          </a:prstGeom>
-          <a:noFill/>
-        </p:spPr>
-        <p:txBody>
-          <a:bodyPr wrap="square" rtlCol="0">
-            <a:spAutoFit/>
-          </a:bodyPr>
-          <a:lstStyle/>
-          <a:p>
-            <a:r>
-              <a:rPr lang="en-GB" sz="4400" b="1" smtClean="0">
-                <a:solidFill>
-                  <a:srgbClr val="FF0000"/>
-                </a:solidFill>
-              </a:rPr>
-              <a:t>1. F9</a:t>
-            </a:r>
-            <a:endParaRPr lang="en-GB" sz="4400" b="1">
-              <a:solidFill>
-                <a:srgbClr val="FF0000"/>
-              </a:solidFill>
-            </a:endParaRPr>
-          </a:p>
-        </p:txBody>
-      </p:sp>
-      <p:sp>
-        <p:nvSpPr>
-          <p:cNvPr id="12" name="TextBox 11"/>
-          <p:cNvSpPr txBox="1"/>
-          <p:nvPr/>
-        </p:nvSpPr>
-        <p:spPr>
-          <a:xfrm>
-            <a:off x="4683795" y="1871823"/>
-            <a:ext cx="3545806" cy="769441"/>
-          </a:xfrm>
-          <a:prstGeom prst="rect">
-            <a:avLst/>
-          </a:prstGeom>
-          <a:noFill/>
-        </p:spPr>
-        <p:txBody>
-          <a:bodyPr wrap="square" rtlCol="0">
-            <a:spAutoFit/>
-          </a:bodyPr>
-          <a:lstStyle/>
-          <a:p>
-            <a:r>
-              <a:rPr lang="en-GB" sz="4400" b="1" smtClean="0">
-                <a:solidFill>
-                  <a:srgbClr val="FF0000"/>
-                </a:solidFill>
-              </a:rPr>
-              <a:t>2: drop-down</a:t>
-            </a:r>
-            <a:endParaRPr lang="en-GB" sz="4400" b="1">
-              <a:solidFill>
-                <a:srgbClr val="FF0000"/>
-              </a:solidFill>
-            </a:endParaRPr>
-          </a:p>
-        </p:txBody>
-      </p:sp>
-      <p:sp>
-        <p:nvSpPr>
-          <p:cNvPr id="13" name="TextBox 12"/>
-          <p:cNvSpPr txBox="1"/>
-          <p:nvPr/>
-        </p:nvSpPr>
-        <p:spPr>
-          <a:xfrm>
-            <a:off x="5268687" y="3397288"/>
-            <a:ext cx="551543" cy="769441"/>
-          </a:xfrm>
-          <a:prstGeom prst="rect">
-            <a:avLst/>
-          </a:prstGeom>
-          <a:noFill/>
-        </p:spPr>
-        <p:txBody>
-          <a:bodyPr wrap="square" rtlCol="0">
-            <a:spAutoFit/>
-          </a:bodyPr>
-          <a:lstStyle/>
-          <a:p>
-            <a:r>
-              <a:rPr lang="en-GB" sz="4400" b="1" smtClean="0">
-                <a:solidFill>
-                  <a:srgbClr val="FF0000"/>
-                </a:solidFill>
-              </a:rPr>
-              <a:t>3</a:t>
-            </a:r>
-            <a:endParaRPr lang="en-GB" sz="4400" b="1">
-              <a:solidFill>
-                <a:srgbClr val="FF0000"/>
-              </a:solidFill>
-            </a:endParaRPr>
-          </a:p>
-        </p:txBody>
-      </p:sp>
-      <p:pic>
-        <p:nvPicPr>
-          <p:cNvPr id="5123" name="Picture 3"/>
-          <p:cNvPicPr>
-            <a:picLocks noChangeAspect="1" noChangeArrowheads="1"/>
-          </p:cNvPicPr>
-          <p:nvPr/>
-        </p:nvPicPr>
-        <p:blipFill>
-          <a:blip r:embed="rId4">
-            <a:extLst>
-              <a:ext uri="{28A0092B-C50C-407E-A947-70E740481C1C}">
-                <a14:useLocalDpi xmlns:a14="http://schemas.microsoft.com/office/drawing/2010/main" val="0"/>
-              </a:ext>
-            </a:extLst>
-          </a:blip>
-          <a:srcRect/>
-          <a:stretch>
-            <a:fillRect/>
-          </a:stretch>
-        </p:blipFill>
-        <p:spPr bwMode="auto">
-          <a:xfrm>
-            <a:off x="3771901" y="4618038"/>
-            <a:ext cx="4457700" cy="1895475"/>
-          </a:xfrm>
-          <a:prstGeom prst="rect">
-            <a:avLst/>
-          </a:prstGeom>
-          <a:noFill/>
-          <a:ln>
-            <a:noFill/>
-          </a:ln>
-          <a:effectLst/>
-          <a:extLst>
-            <a:ext uri="{909E8E84-426E-40DD-AFC4-6F175D3DCCD1}">
-              <a14:hiddenFill xmlns:a14="http://schemas.microsoft.com/office/drawing/2010/main">
-                <a:solidFill>
-                  <a:schemeClr val="accent1"/>
-                </a:solidFill>
-              </a14:hiddenFill>
-            </a:ext>
-            <a:ext uri="{91240B29-F687-4F45-9708-019B960494DF}">
-              <a14:hiddenLine xmlns:a14="http://schemas.microsoft.com/office/drawing/2010/main" w="9525">
-                <a:solidFill>
-                  <a:schemeClr val="tx1"/>
-                </a:solidFill>
-                <a:miter lim="800000"/>
-                <a:headEnd/>
-                <a:tailEnd/>
-              </a14:hiddenLine>
-            </a:ext>
-            <a:ext uri="{AF507438-7753-43E0-B8FC-AC1667EBCBE1}">
-              <a14:hiddenEffects xmlns:a14="http://schemas.microsoft.com/office/drawing/2010/main">
-                <a:effectLst>
-                  <a:outerShdw dist="35921" dir="2700000" algn="ctr" rotWithShape="0">
-                    <a:schemeClr val="bg2"/>
-                  </a:outerShdw>
-                </a:effectLst>
-              </a14:hiddenEffects>
-            </a:ext>
-          </a:extLst>
-        </p:spPr>
-      </p:pic>
-      <p:sp>
-        <p:nvSpPr>
-          <p:cNvPr id="14" name="Oval 13"/>
-          <p:cNvSpPr/>
-          <p:nvPr/>
-        </p:nvSpPr>
-        <p:spPr>
-          <a:xfrm>
-            <a:off x="3986065" y="5009217"/>
-            <a:ext cx="3198506" cy="513016"/>
-          </a:xfrm>
-          <a:prstGeom prst="ellipse">
-            <a:avLst/>
-          </a:prstGeom>
-          <a:noFill/>
-          <a:ln w="38100">
-            <a:solidFill>
-              <a:srgbClr val="FF0000"/>
-            </a:solidFill>
-          </a:ln>
-        </p:spPr>
-        <p:style>
-          <a:lnRef idx="2">
-            <a:schemeClr val="accent1">
-              <a:shade val="50000"/>
-            </a:schemeClr>
-          </a:lnRef>
-          <a:fillRef idx="1">
-            <a:schemeClr val="accent1"/>
-          </a:fillRef>
-          <a:effectRef idx="0">
-            <a:schemeClr val="accent1"/>
-          </a:effectRef>
-          <a:fontRef idx="minor">
-            <a:schemeClr val="lt1"/>
-          </a:fontRef>
-        </p:style>
-        <p:txBody>
-          <a:bodyPr rtlCol="0" anchor="ctr"/>
-          <a:lstStyle/>
-          <a:p>
-            <a:pPr algn="ctr"/>
-            <a:endParaRPr lang="en-GB"/>
-          </a:p>
-        </p:txBody>
-      </p:sp>
-      <p:sp>
-        <p:nvSpPr>
-          <p:cNvPr id="15" name="Oval 14"/>
-          <p:cNvSpPr/>
-          <p:nvPr/>
-        </p:nvSpPr>
-        <p:spPr>
-          <a:xfrm>
-            <a:off x="4104864" y="5805714"/>
-            <a:ext cx="506362" cy="411081"/>
-          </a:xfrm>
-          <a:prstGeom prst="ellipse">
-            <a:avLst/>
-          </a:prstGeom>
-          <a:noFill/>
-          <a:ln w="38100">
-            <a:solidFill>
-              <a:srgbClr val="FF0000"/>
-            </a:solidFill>
-          </a:ln>
-        </p:spPr>
-        <p:style>
-          <a:lnRef idx="2">
-            <a:schemeClr val="accent1">
-              <a:shade val="50000"/>
-            </a:schemeClr>
-          </a:lnRef>
-          <a:fillRef idx="1">
-            <a:schemeClr val="accent1"/>
-          </a:fillRef>
-          <a:effectRef idx="0">
-            <a:schemeClr val="accent1"/>
-          </a:effectRef>
-          <a:fontRef idx="minor">
-            <a:schemeClr val="lt1"/>
-          </a:fontRef>
-        </p:style>
-        <p:txBody>
-          <a:bodyPr rtlCol="0" anchor="ctr"/>
-          <a:lstStyle/>
-          <a:p>
-            <a:pPr algn="ctr"/>
-            <a:endParaRPr lang="en-GB"/>
-          </a:p>
-        </p:txBody>
-      </p:sp>
-    </p:spTree>
-    <p:extLst>
-      <p:ext uri="{BB962C8B-B14F-4D97-AF65-F5344CB8AC3E}">
-        <p14:creationId xmlns:p14="http://schemas.microsoft.com/office/powerpoint/2010/main" val="21235050"/>
-      </p:ext>
-    </p:extLst>
-  </p:cSld>
-  <p:clrMapOvr>
-    <a:masterClrMapping/>
-  </p:clrMapOvr>
-  <p:timing>
-    <p:tnLst>
-      <p:par>
-        <p:cTn id="1" dur="indefinite" restart="never" nodeType="tmRoot"/>
-      </p:par>
-    </p:tnLst>
-  </p:timing>
-</p:sld>
-</file>
-
-<file path=ppt/slides/slide8.xml><?xml version="1.0" encoding="utf-8"?>
-<p:sld xmlns:a="http://schemas.openxmlformats.org/drawingml/2006/main" xmlns:r="http://schemas.openxmlformats.org/officeDocument/2006/relationships" xmlns:p="http://schemas.openxmlformats.org/presentationml/2006/main">
-  <p:cSld>
-    <p:spTree>
-      <p:nvGrpSpPr>
-        <p:cNvPr id="1" name=""/>
-        <p:cNvGrpSpPr/>
-        <p:nvPr/>
-      </p:nvGrpSpPr>
-      <p:grpSpPr>
-        <a:xfrm>
-          <a:off x="0" y="0"/>
-          <a:ext cx="0" cy="0"/>
-          <a:chOff x="0" y="0"/>
-          <a:chExt cx="0" cy="0"/>
-        </a:xfrm>
-      </p:grpSpPr>
-      <p:sp>
-        <p:nvSpPr>
-          <p:cNvPr id="2" name="Title 1"/>
-          <p:cNvSpPr>
-            <a:spLocks noGrp="1"/>
-          </p:cNvSpPr>
-          <p:nvPr>
-            <p:ph type="title"/>
-          </p:nvPr>
-        </p:nvSpPr>
-        <p:spPr>
-          <a:xfrm>
-            <a:off x="251586" y="244158"/>
-            <a:ext cx="8637831" cy="1339850"/>
-          </a:xfrm>
-        </p:spPr>
-        <p:txBody>
-          <a:bodyPr anchor="t"/>
-          <a:lstStyle/>
-          <a:p>
-            <a:pPr algn="l"/>
-            <a:r>
-              <a:rPr lang="en-US" dirty="0" smtClean="0"/>
-              <a:t>Clone</a:t>
-            </a:r>
-            <a:endParaRPr lang="en-US" dirty="0"/>
-          </a:p>
-        </p:txBody>
-      </p:sp>
-      <p:sp>
-        <p:nvSpPr>
-          <p:cNvPr id="16" name="Rectangle 15"/>
-          <p:cNvSpPr/>
-          <p:nvPr/>
-        </p:nvSpPr>
-        <p:spPr>
-          <a:xfrm>
-            <a:off x="645459" y="3056659"/>
-            <a:ext cx="6831106" cy="1815882"/>
-          </a:xfrm>
-          <a:prstGeom prst="rect">
-            <a:avLst/>
-          </a:prstGeom>
-        </p:spPr>
-        <p:txBody>
-          <a:bodyPr wrap="square">
-            <a:spAutoFit/>
-          </a:bodyPr>
-          <a:lstStyle/>
-          <a:p>
-            <a:r>
-              <a:rPr lang="en-GB" sz="2800" dirty="0" smtClean="0">
-                <a:latin typeface="Lucida Sans" panose="020B0602030504020204" pitchFamily="34" charset="0"/>
-                <a:hlinkClick r:id="rId3"/>
-              </a:rPr>
-              <a:t>https://gitlab.com/qacpp/python.git</a:t>
-            </a:r>
-            <a:endParaRPr lang="en-GB" sz="2800" dirty="0" smtClean="0">
-              <a:latin typeface="Lucida Sans" panose="020B0602030504020204" pitchFamily="34" charset="0"/>
-            </a:endParaRPr>
-          </a:p>
-          <a:p>
-            <a:endParaRPr lang="en-GB" sz="2800" dirty="0">
-              <a:latin typeface="Lucida Sans" panose="020B0602030504020204" pitchFamily="34" charset="0"/>
-            </a:endParaRPr>
-          </a:p>
-          <a:p>
-            <a:r>
-              <a:rPr lang="en-GB" sz="2800" dirty="0" smtClean="0">
-                <a:latin typeface="Lucida Sans" panose="020B0602030504020204" pitchFamily="34" charset="0"/>
-              </a:rPr>
-              <a:t>Mimeo: GBQ9TPLCTJLU</a:t>
-            </a:r>
-            <a:endParaRPr lang="en-GB" sz="2800" dirty="0" smtClean="0">
-              <a:latin typeface="Lucida Sans" panose="020B0602030504020204" pitchFamily="34" charset="0"/>
-            </a:endParaRPr>
-          </a:p>
-          <a:p>
-            <a:endParaRPr lang="en-GB" sz="2800" dirty="0" smtClean="0">
-              <a:latin typeface="Lucida Sans" panose="020B0602030504020204" pitchFamily="34" charset="0"/>
-            </a:endParaRPr>
-          </a:p>
-        </p:txBody>
-      </p:sp>
-    </p:spTree>
-    <p:extLst>
-      <p:ext uri="{BB962C8B-B14F-4D97-AF65-F5344CB8AC3E}">
-        <p14:creationId xmlns:p14="http://schemas.microsoft.com/office/powerpoint/2010/main" val="752976626"/>
       </p:ext>
     </p:extLst>
   </p:cSld>

--- a/DG_01 VSC-Setup.pptx
+++ b/DG_01 VSC-Setup.pptx
@@ -5,7 +5,7 @@
     <p:sldMasterId id="2147483739" r:id="rId1"/>
   </p:sldMasterIdLst>
   <p:notesMasterIdLst>
-    <p:notesMasterId r:id="rId12"/>
+    <p:notesMasterId r:id="rId15"/>
   </p:notesMasterIdLst>
   <p:sldIdLst>
     <p:sldId id="643" r:id="rId2"/>
@@ -18,6 +18,9 @@
     <p:sldId id="656" r:id="rId9"/>
     <p:sldId id="657" r:id="rId10"/>
     <p:sldId id="658" r:id="rId11"/>
+    <p:sldId id="662" r:id="rId12"/>
+    <p:sldId id="663" r:id="rId13"/>
+    <p:sldId id="664" r:id="rId14"/>
   </p:sldIdLst>
   <p:sldSz cx="9144000" cy="6858000" type="screen4x3"/>
   <p:notesSz cx="6858000" cy="9144000"/>
@@ -118,7 +121,7 @@
   </p:defaultTextStyle>
   <p:extLst>
     <p:ext uri="{EFAFB233-063F-42B5-8137-9DF3F51BA10A}">
-      <p15:sldGuideLst xmlns="" xmlns:p15="http://schemas.microsoft.com/office/powerpoint/2012/main">
+      <p15:sldGuideLst xmlns:p15="http://schemas.microsoft.com/office/powerpoint/2012/main">
         <p15:guide id="1" orient="horz" pos="2160">
           <p15:clr>
             <a:srgbClr val="A4A3A4"/>
@@ -217,7 +220,7 @@
           <a:p>
             <a:fld id="{78C00125-7AA2-BF47-9592-BD0EA1380ED7}" type="datetimeFigureOut">
               <a:rPr lang="en-US" smtClean="0"/>
-              <a:t>5/23/2022</a:t>
+              <a:t>5/25/2022</a:t>
             </a:fld>
             <a:endParaRPr lang="en-US"/>
           </a:p>
@@ -569,6 +572,174 @@
 </p:notes>
 </file>
 
+<file path=ppt/notesSlides/notesSlide10.xml><?xml version="1.0" encoding="utf-8"?>
+<p:notes xmlns:a="http://schemas.openxmlformats.org/drawingml/2006/main" xmlns:r="http://schemas.openxmlformats.org/officeDocument/2006/relationships" xmlns:p="http://schemas.openxmlformats.org/presentationml/2006/main">
+  <p:cSld>
+    <p:spTree>
+      <p:nvGrpSpPr>
+        <p:cNvPr id="1" name=""/>
+        <p:cNvGrpSpPr/>
+        <p:nvPr/>
+      </p:nvGrpSpPr>
+      <p:grpSpPr>
+        <a:xfrm>
+          <a:off x="0" y="0"/>
+          <a:ext cx="0" cy="0"/>
+          <a:chOff x="0" y="0"/>
+          <a:chExt cx="0" cy="0"/>
+        </a:xfrm>
+      </p:grpSpPr>
+      <p:sp>
+        <p:nvSpPr>
+          <p:cNvPr id="2" name="Slide Image Placeholder 1"/>
+          <p:cNvSpPr>
+            <a:spLocks noGrp="1" noRot="1" noChangeAspect="1"/>
+          </p:cNvSpPr>
+          <p:nvPr>
+            <p:ph type="sldImg"/>
+          </p:nvPr>
+        </p:nvSpPr>
+        <p:spPr/>
+      </p:sp>
+      <p:sp>
+        <p:nvSpPr>
+          <p:cNvPr id="3" name="Notes Placeholder 2"/>
+          <p:cNvSpPr>
+            <a:spLocks noGrp="1"/>
+          </p:cNvSpPr>
+          <p:nvPr>
+            <p:ph type="body" idx="1"/>
+          </p:nvPr>
+        </p:nvSpPr>
+        <p:spPr/>
+        <p:txBody>
+          <a:bodyPr/>
+          <a:lstStyle/>
+          <a:p>
+            <a:endParaRPr lang="en-US" dirty="0"/>
+          </a:p>
+        </p:txBody>
+      </p:sp>
+      <p:sp>
+        <p:nvSpPr>
+          <p:cNvPr id="4" name="Slide Number Placeholder 3"/>
+          <p:cNvSpPr>
+            <a:spLocks noGrp="1"/>
+          </p:cNvSpPr>
+          <p:nvPr>
+            <p:ph type="sldNum" sz="quarter" idx="10"/>
+          </p:nvPr>
+        </p:nvSpPr>
+        <p:spPr/>
+        <p:txBody>
+          <a:bodyPr/>
+          <a:lstStyle/>
+          <a:p>
+            <a:fld id="{2D8A47E9-43C9-0F4F-9379-1746571B2494}" type="slidenum">
+              <a:rPr lang="en-US" smtClean="0"/>
+              <a:t>12</a:t>
+            </a:fld>
+            <a:endParaRPr lang="en-US"/>
+          </a:p>
+        </p:txBody>
+      </p:sp>
+    </p:spTree>
+    <p:extLst>
+      <p:ext uri="{BB962C8B-B14F-4D97-AF65-F5344CB8AC3E}">
+        <p14:creationId xmlns:p14="http://schemas.microsoft.com/office/powerpoint/2010/main" val="2689194005"/>
+      </p:ext>
+    </p:extLst>
+  </p:cSld>
+  <p:clrMapOvr>
+    <a:masterClrMapping/>
+  </p:clrMapOvr>
+</p:notes>
+</file>
+
+<file path=ppt/notesSlides/notesSlide11.xml><?xml version="1.0" encoding="utf-8"?>
+<p:notes xmlns:a="http://schemas.openxmlformats.org/drawingml/2006/main" xmlns:r="http://schemas.openxmlformats.org/officeDocument/2006/relationships" xmlns:p="http://schemas.openxmlformats.org/presentationml/2006/main">
+  <p:cSld>
+    <p:spTree>
+      <p:nvGrpSpPr>
+        <p:cNvPr id="1" name=""/>
+        <p:cNvGrpSpPr/>
+        <p:nvPr/>
+      </p:nvGrpSpPr>
+      <p:grpSpPr>
+        <a:xfrm>
+          <a:off x="0" y="0"/>
+          <a:ext cx="0" cy="0"/>
+          <a:chOff x="0" y="0"/>
+          <a:chExt cx="0" cy="0"/>
+        </a:xfrm>
+      </p:grpSpPr>
+      <p:sp>
+        <p:nvSpPr>
+          <p:cNvPr id="2" name="Slide Image Placeholder 1"/>
+          <p:cNvSpPr>
+            <a:spLocks noGrp="1" noRot="1" noChangeAspect="1"/>
+          </p:cNvSpPr>
+          <p:nvPr>
+            <p:ph type="sldImg"/>
+          </p:nvPr>
+        </p:nvSpPr>
+        <p:spPr/>
+      </p:sp>
+      <p:sp>
+        <p:nvSpPr>
+          <p:cNvPr id="3" name="Notes Placeholder 2"/>
+          <p:cNvSpPr>
+            <a:spLocks noGrp="1"/>
+          </p:cNvSpPr>
+          <p:nvPr>
+            <p:ph type="body" idx="1"/>
+          </p:nvPr>
+        </p:nvSpPr>
+        <p:spPr/>
+        <p:txBody>
+          <a:bodyPr/>
+          <a:lstStyle/>
+          <a:p>
+            <a:endParaRPr lang="en-US" dirty="0"/>
+          </a:p>
+        </p:txBody>
+      </p:sp>
+      <p:sp>
+        <p:nvSpPr>
+          <p:cNvPr id="4" name="Slide Number Placeholder 3"/>
+          <p:cNvSpPr>
+            <a:spLocks noGrp="1"/>
+          </p:cNvSpPr>
+          <p:nvPr>
+            <p:ph type="sldNum" sz="quarter" idx="10"/>
+          </p:nvPr>
+        </p:nvSpPr>
+        <p:spPr/>
+        <p:txBody>
+          <a:bodyPr/>
+          <a:lstStyle/>
+          <a:p>
+            <a:fld id="{2D8A47E9-43C9-0F4F-9379-1746571B2494}" type="slidenum">
+              <a:rPr lang="en-US" smtClean="0"/>
+              <a:t>13</a:t>
+            </a:fld>
+            <a:endParaRPr lang="en-US"/>
+          </a:p>
+        </p:txBody>
+      </p:sp>
+    </p:spTree>
+    <p:extLst>
+      <p:ext uri="{BB962C8B-B14F-4D97-AF65-F5344CB8AC3E}">
+        <p14:creationId xmlns:p14="http://schemas.microsoft.com/office/powerpoint/2010/main" val="2441171253"/>
+      </p:ext>
+    </p:extLst>
+  </p:cSld>
+  <p:clrMapOvr>
+    <a:masterClrMapping/>
+  </p:clrMapOvr>
+</p:notes>
+</file>
+
 <file path=ppt/notesSlides/notesSlide2.xml><?xml version="1.0" encoding="utf-8"?>
 <p:notes xmlns:a="http://schemas.openxmlformats.org/drawingml/2006/main" xmlns:r="http://schemas.openxmlformats.org/officeDocument/2006/relationships" xmlns:p="http://schemas.openxmlformats.org/presentationml/2006/main">
   <p:cSld>
@@ -1148,6 +1319,90 @@
     <p:extLst>
       <p:ext uri="{BB962C8B-B14F-4D97-AF65-F5344CB8AC3E}">
         <p14:creationId xmlns:p14="http://schemas.microsoft.com/office/powerpoint/2010/main" val="1546049665"/>
+      </p:ext>
+    </p:extLst>
+  </p:cSld>
+  <p:clrMapOvr>
+    <a:masterClrMapping/>
+  </p:clrMapOvr>
+</p:notes>
+</file>
+
+<file path=ppt/notesSlides/notesSlide9.xml><?xml version="1.0" encoding="utf-8"?>
+<p:notes xmlns:a="http://schemas.openxmlformats.org/drawingml/2006/main" xmlns:r="http://schemas.openxmlformats.org/officeDocument/2006/relationships" xmlns:p="http://schemas.openxmlformats.org/presentationml/2006/main">
+  <p:cSld>
+    <p:spTree>
+      <p:nvGrpSpPr>
+        <p:cNvPr id="1" name=""/>
+        <p:cNvGrpSpPr/>
+        <p:nvPr/>
+      </p:nvGrpSpPr>
+      <p:grpSpPr>
+        <a:xfrm>
+          <a:off x="0" y="0"/>
+          <a:ext cx="0" cy="0"/>
+          <a:chOff x="0" y="0"/>
+          <a:chExt cx="0" cy="0"/>
+        </a:xfrm>
+      </p:grpSpPr>
+      <p:sp>
+        <p:nvSpPr>
+          <p:cNvPr id="2" name="Slide Image Placeholder 1"/>
+          <p:cNvSpPr>
+            <a:spLocks noGrp="1" noRot="1" noChangeAspect="1"/>
+          </p:cNvSpPr>
+          <p:nvPr>
+            <p:ph type="sldImg"/>
+          </p:nvPr>
+        </p:nvSpPr>
+        <p:spPr/>
+      </p:sp>
+      <p:sp>
+        <p:nvSpPr>
+          <p:cNvPr id="3" name="Notes Placeholder 2"/>
+          <p:cNvSpPr>
+            <a:spLocks noGrp="1"/>
+          </p:cNvSpPr>
+          <p:nvPr>
+            <p:ph type="body" idx="1"/>
+          </p:nvPr>
+        </p:nvSpPr>
+        <p:spPr/>
+        <p:txBody>
+          <a:bodyPr/>
+          <a:lstStyle/>
+          <a:p>
+            <a:endParaRPr lang="en-US" dirty="0"/>
+          </a:p>
+        </p:txBody>
+      </p:sp>
+      <p:sp>
+        <p:nvSpPr>
+          <p:cNvPr id="4" name="Slide Number Placeholder 3"/>
+          <p:cNvSpPr>
+            <a:spLocks noGrp="1"/>
+          </p:cNvSpPr>
+          <p:nvPr>
+            <p:ph type="sldNum" sz="quarter" idx="10"/>
+          </p:nvPr>
+        </p:nvSpPr>
+        <p:spPr/>
+        <p:txBody>
+          <a:bodyPr/>
+          <a:lstStyle/>
+          <a:p>
+            <a:fld id="{2D8A47E9-43C9-0F4F-9379-1746571B2494}" type="slidenum">
+              <a:rPr lang="en-US" smtClean="0"/>
+              <a:t>11</a:t>
+            </a:fld>
+            <a:endParaRPr lang="en-US"/>
+          </a:p>
+        </p:txBody>
+      </p:sp>
+    </p:spTree>
+    <p:extLst>
+      <p:ext uri="{BB962C8B-B14F-4D97-AF65-F5344CB8AC3E}">
+        <p14:creationId xmlns:p14="http://schemas.microsoft.com/office/powerpoint/2010/main" val="1006873644"/>
       </p:ext>
     </p:extLst>
   </p:cSld>
@@ -2970,7 +3225,7 @@
             <a:fld id="{28E80666-FB37-4B36-9149-507F3B0178E3}" type="datetimeFigureOut">
               <a:rPr lang="en-US" smtClean="0"/>
               <a:pPr/>
-              <a:t>5/23/2022</a:t>
+              <a:t>5/25/2022</a:t>
             </a:fld>
             <a:endParaRPr lang="en-US"/>
           </a:p>
@@ -3152,7 +3407,7 @@
           <a:p>
             <a:fld id="{05DB9FB3-5BB2-724E-A037-6C88DDC21847}" type="datetimeFigureOut">
               <a:rPr lang="en-US" smtClean="0"/>
-              <a:t>5/23/2022</a:t>
+              <a:t>5/25/2022</a:t>
             </a:fld>
             <a:endParaRPr lang="en-US"/>
           </a:p>
@@ -3303,7 +3558,7 @@
           <a:p>
             <a:fld id="{05DB9FB3-5BB2-724E-A037-6C88DDC21847}" type="datetimeFigureOut">
               <a:rPr lang="en-US" smtClean="0"/>
-              <a:t>5/23/2022</a:t>
+              <a:t>5/25/2022</a:t>
             </a:fld>
             <a:endParaRPr lang="en-US"/>
           </a:p>
@@ -5129,7 +5384,7 @@
           <a:p>
             <a:fld id="{05DB9FB3-5BB2-724E-A037-6C88DDC21847}" type="datetimeFigureOut">
               <a:rPr lang="en-US" smtClean="0"/>
-              <a:t>5/23/2022</a:t>
+              <a:t>5/25/2022</a:t>
             </a:fld>
             <a:endParaRPr lang="en-US"/>
           </a:p>
@@ -7000,7 +7255,7 @@
             <a:fld id="{28E80666-FB37-4B36-9149-507F3B0178E3}" type="datetimeFigureOut">
               <a:rPr lang="en-US" smtClean="0"/>
               <a:pPr/>
-              <a:t>5/23/2022</a:t>
+              <a:t>5/25/2022</a:t>
             </a:fld>
             <a:endParaRPr lang="en-US"/>
           </a:p>
@@ -7114,7 +7369,7 @@
           <a:p>
             <a:fld id="{05DB9FB3-5BB2-724E-A037-6C88DDC21847}" type="datetimeFigureOut">
               <a:rPr lang="en-US" smtClean="0"/>
-              <a:t>5/23/2022</a:t>
+              <a:t>5/25/2022</a:t>
             </a:fld>
             <a:endParaRPr lang="en-US"/>
           </a:p>
@@ -7655,7 +7910,7 @@
           <a:p>
             <a:fld id="{05DB9FB3-5BB2-724E-A037-6C88DDC21847}" type="datetimeFigureOut">
               <a:rPr lang="en-US" smtClean="0"/>
-              <a:t>5/23/2022</a:t>
+              <a:t>5/25/2022</a:t>
             </a:fld>
             <a:endParaRPr lang="en-US"/>
           </a:p>
@@ -7768,7 +8023,7 @@
           <a:p>
             <a:fld id="{05DB9FB3-5BB2-724E-A037-6C88DDC21847}" type="datetimeFigureOut">
               <a:rPr lang="en-US" smtClean="0"/>
-              <a:t>5/23/2022</a:t>
+              <a:t>5/25/2022</a:t>
             </a:fld>
             <a:endParaRPr lang="en-US"/>
           </a:p>
@@ -9479,7 +9734,7 @@
           <a:p>
             <a:fld id="{05DB9FB3-5BB2-724E-A037-6C88DDC21847}" type="datetimeFigureOut">
               <a:rPr lang="en-US" smtClean="0"/>
-              <a:t>5/23/2022</a:t>
+              <a:t>5/25/2022</a:t>
             </a:fld>
             <a:endParaRPr lang="en-US"/>
           </a:p>
@@ -9630,7 +9885,7 @@
           <a:p>
             <a:fld id="{05DB9FB3-5BB2-724E-A037-6C88DDC21847}" type="datetimeFigureOut">
               <a:rPr lang="en-US" smtClean="0"/>
-              <a:t>5/23/2022</a:t>
+              <a:t>5/25/2022</a:t>
             </a:fld>
             <a:endParaRPr lang="en-US"/>
           </a:p>
@@ -13245,7 +13500,7 @@
           <a:p>
             <a:fld id="{05DB9FB3-5BB2-724E-A037-6C88DDC21847}" type="datetimeFigureOut">
               <a:rPr lang="en-US" smtClean="0"/>
-              <a:t>5/23/2022</a:t>
+              <a:t>5/25/2022</a:t>
             </a:fld>
             <a:endParaRPr lang="en-US"/>
           </a:p>
@@ -15104,7 +15359,7 @@
           <a:p>
             <a:fld id="{05DB9FB3-5BB2-724E-A037-6C88DDC21847}" type="datetimeFigureOut">
               <a:rPr lang="en-US" smtClean="0"/>
-              <a:t>5/23/2022</a:t>
+              <a:t>5/25/2022</a:t>
             </a:fld>
             <a:endParaRPr lang="en-US"/>
           </a:p>
@@ -16236,6 +16491,683 @@
     <p:extLst>
       <p:ext uri="{BB962C8B-B14F-4D97-AF65-F5344CB8AC3E}">
         <p14:creationId xmlns:p14="http://schemas.microsoft.com/office/powerpoint/2010/main" val="21235050"/>
+      </p:ext>
+    </p:extLst>
+  </p:cSld>
+  <p:clrMapOvr>
+    <a:masterClrMapping/>
+  </p:clrMapOvr>
+  <p:timing>
+    <p:tnLst>
+      <p:par>
+        <p:cTn id="1" dur="indefinite" restart="never" nodeType="tmRoot"/>
+      </p:par>
+    </p:tnLst>
+  </p:timing>
+</p:sld>
+</file>
+
+<file path=ppt/slides/slide11.xml><?xml version="1.0" encoding="utf-8"?>
+<p:sld xmlns:a="http://schemas.openxmlformats.org/drawingml/2006/main" xmlns:r="http://schemas.openxmlformats.org/officeDocument/2006/relationships" xmlns:p="http://schemas.openxmlformats.org/presentationml/2006/main">
+  <p:cSld>
+    <p:spTree>
+      <p:nvGrpSpPr>
+        <p:cNvPr id="1" name=""/>
+        <p:cNvGrpSpPr/>
+        <p:nvPr/>
+      </p:nvGrpSpPr>
+      <p:grpSpPr>
+        <a:xfrm>
+          <a:off x="0" y="0"/>
+          <a:ext cx="0" cy="0"/>
+          <a:chOff x="0" y="0"/>
+          <a:chExt cx="0" cy="0"/>
+        </a:xfrm>
+      </p:grpSpPr>
+      <p:sp>
+        <p:nvSpPr>
+          <p:cNvPr id="2" name="Title 1"/>
+          <p:cNvSpPr>
+            <a:spLocks noGrp="1"/>
+          </p:cNvSpPr>
+          <p:nvPr>
+            <p:ph type="title"/>
+          </p:nvPr>
+        </p:nvSpPr>
+        <p:spPr>
+          <a:xfrm>
+            <a:off x="251586" y="244158"/>
+            <a:ext cx="8637831" cy="1339850"/>
+          </a:xfrm>
+        </p:spPr>
+        <p:txBody>
+          <a:bodyPr anchor="t"/>
+          <a:lstStyle/>
+          <a:p>
+            <a:pPr algn="l"/>
+            <a:r>
+              <a:rPr lang="en-US" smtClean="0"/>
+              <a:t>Install Python 3.10</a:t>
+            </a:r>
+            <a:endParaRPr lang="en-US" dirty="0"/>
+          </a:p>
+        </p:txBody>
+      </p:sp>
+      <p:sp>
+        <p:nvSpPr>
+          <p:cNvPr id="5" name="Rectangle 4"/>
+          <p:cNvSpPr/>
+          <p:nvPr/>
+        </p:nvSpPr>
+        <p:spPr>
+          <a:xfrm>
+            <a:off x="398916" y="4515803"/>
+            <a:ext cx="8047587" cy="1200329"/>
+          </a:xfrm>
+          <a:prstGeom prst="rect">
+            <a:avLst/>
+          </a:prstGeom>
+        </p:spPr>
+        <p:txBody>
+          <a:bodyPr wrap="square">
+            <a:spAutoFit/>
+          </a:bodyPr>
+          <a:lstStyle/>
+          <a:p>
+            <a:pPr lvl="0"/>
+            <a:r>
+              <a:rPr lang="en-US" sz="3600" smtClean="0">
+                <a:latin typeface="Lucida Sans" panose="020B0602030504020204" pitchFamily="34" charset="0"/>
+              </a:rPr>
+              <a:t>If version is not 3.10 or higher:</a:t>
+            </a:r>
+          </a:p>
+          <a:p>
+            <a:pPr lvl="0"/>
+            <a:r>
+              <a:rPr lang="en-US" sz="3600" smtClean="0">
+                <a:latin typeface="Lucida Sans" panose="020B0602030504020204" pitchFamily="34" charset="0"/>
+              </a:rPr>
+              <a:t>Browser: python.org/downloads</a:t>
+            </a:r>
+            <a:endParaRPr lang="en-US" sz="3600" dirty="0" smtClean="0">
+              <a:latin typeface="Lucida Sans" panose="020B0602030504020204" pitchFamily="34" charset="0"/>
+            </a:endParaRPr>
+          </a:p>
+        </p:txBody>
+      </p:sp>
+      <p:pic>
+        <p:nvPicPr>
+          <p:cNvPr id="1026" name="Picture 2"/>
+          <p:cNvPicPr>
+            <a:picLocks noChangeAspect="1" noChangeArrowheads="1"/>
+          </p:cNvPicPr>
+          <p:nvPr/>
+        </p:nvPicPr>
+        <p:blipFill>
+          <a:blip r:embed="rId3">
+            <a:extLst>
+              <a:ext uri="{28A0092B-C50C-407E-A947-70E740481C1C}">
+                <a14:useLocalDpi xmlns:a14="http://schemas.microsoft.com/office/drawing/2010/main" val="0"/>
+              </a:ext>
+            </a:extLst>
+          </a:blip>
+          <a:srcRect/>
+          <a:stretch>
+            <a:fillRect/>
+          </a:stretch>
+        </p:blipFill>
+        <p:spPr bwMode="auto">
+          <a:xfrm>
+            <a:off x="353008" y="2115846"/>
+            <a:ext cx="5638800" cy="2195513"/>
+          </a:xfrm>
+          <a:prstGeom prst="rect">
+            <a:avLst/>
+          </a:prstGeom>
+          <a:noFill/>
+          <a:ln>
+            <a:noFill/>
+          </a:ln>
+          <a:effectLst/>
+          <a:extLst>
+            <a:ext uri="{909E8E84-426E-40DD-AFC4-6F175D3DCCD1}">
+              <a14:hiddenFill xmlns:a14="http://schemas.microsoft.com/office/drawing/2010/main">
+                <a:solidFill>
+                  <a:schemeClr val="accent1"/>
+                </a:solidFill>
+              </a14:hiddenFill>
+            </a:ext>
+            <a:ext uri="{91240B29-F687-4F45-9708-019B960494DF}">
+              <a14:hiddenLine xmlns:a14="http://schemas.microsoft.com/office/drawing/2010/main" w="9525">
+                <a:solidFill>
+                  <a:schemeClr val="tx1"/>
+                </a:solidFill>
+                <a:miter lim="800000"/>
+                <a:headEnd/>
+                <a:tailEnd/>
+              </a14:hiddenLine>
+            </a:ext>
+            <a:ext uri="{AF507438-7753-43E0-B8FC-AC1667EBCBE1}">
+              <a14:hiddenEffects xmlns:a14="http://schemas.microsoft.com/office/drawing/2010/main">
+                <a:effectLst>
+                  <a:outerShdw dist="35921" dir="2700000" algn="ctr" rotWithShape="0">
+                    <a:schemeClr val="bg2"/>
+                  </a:outerShdw>
+                </a:effectLst>
+              </a14:hiddenEffects>
+            </a:ext>
+          </a:extLst>
+        </p:spPr>
+      </p:pic>
+      <p:sp>
+        <p:nvSpPr>
+          <p:cNvPr id="6" name="Oval 5"/>
+          <p:cNvSpPr/>
+          <p:nvPr/>
+        </p:nvSpPr>
+        <p:spPr>
+          <a:xfrm>
+            <a:off x="3334502" y="2270544"/>
+            <a:ext cx="1088208" cy="424206"/>
+          </a:xfrm>
+          <a:prstGeom prst="ellipse">
+            <a:avLst/>
+          </a:prstGeom>
+          <a:noFill/>
+          <a:ln w="38100">
+            <a:solidFill>
+              <a:srgbClr val="FF0000"/>
+            </a:solidFill>
+          </a:ln>
+        </p:spPr>
+        <p:style>
+          <a:lnRef idx="2">
+            <a:schemeClr val="accent1">
+              <a:shade val="50000"/>
+            </a:schemeClr>
+          </a:lnRef>
+          <a:fillRef idx="1">
+            <a:schemeClr val="accent1"/>
+          </a:fillRef>
+          <a:effectRef idx="0">
+            <a:schemeClr val="accent1"/>
+          </a:effectRef>
+          <a:fontRef idx="minor">
+            <a:schemeClr val="lt1"/>
+          </a:fontRef>
+        </p:style>
+        <p:txBody>
+          <a:bodyPr rtlCol="0" anchor="ctr"/>
+          <a:lstStyle/>
+          <a:p>
+            <a:pPr algn="ctr"/>
+            <a:endParaRPr lang="en-GB"/>
+          </a:p>
+        </p:txBody>
+      </p:sp>
+      <p:sp>
+        <p:nvSpPr>
+          <p:cNvPr id="7" name="TextBox 6"/>
+          <p:cNvSpPr txBox="1"/>
+          <p:nvPr/>
+        </p:nvSpPr>
+        <p:spPr>
+          <a:xfrm>
+            <a:off x="2992990" y="2042023"/>
+            <a:ext cx="1032293" cy="769441"/>
+          </a:xfrm>
+          <a:prstGeom prst="rect">
+            <a:avLst/>
+          </a:prstGeom>
+          <a:noFill/>
+        </p:spPr>
+        <p:txBody>
+          <a:bodyPr wrap="square" rtlCol="0">
+            <a:spAutoFit/>
+          </a:bodyPr>
+          <a:lstStyle/>
+          <a:p>
+            <a:r>
+              <a:rPr lang="en-GB" sz="4400" b="1" smtClean="0">
+                <a:solidFill>
+                  <a:srgbClr val="FF0000"/>
+                </a:solidFill>
+              </a:rPr>
+              <a:t>1</a:t>
+            </a:r>
+            <a:endParaRPr lang="en-GB" sz="4400" b="1">
+              <a:solidFill>
+                <a:srgbClr val="FF0000"/>
+              </a:solidFill>
+            </a:endParaRPr>
+          </a:p>
+        </p:txBody>
+      </p:sp>
+      <p:sp>
+        <p:nvSpPr>
+          <p:cNvPr id="11" name="Oval 10"/>
+          <p:cNvSpPr/>
+          <p:nvPr/>
+        </p:nvSpPr>
+        <p:spPr>
+          <a:xfrm>
+            <a:off x="2563485" y="3515132"/>
+            <a:ext cx="1672611" cy="424206"/>
+          </a:xfrm>
+          <a:prstGeom prst="ellipse">
+            <a:avLst/>
+          </a:prstGeom>
+          <a:noFill/>
+          <a:ln w="38100">
+            <a:solidFill>
+              <a:srgbClr val="FF0000"/>
+            </a:solidFill>
+          </a:ln>
+        </p:spPr>
+        <p:style>
+          <a:lnRef idx="2">
+            <a:schemeClr val="accent1">
+              <a:shade val="50000"/>
+            </a:schemeClr>
+          </a:lnRef>
+          <a:fillRef idx="1">
+            <a:schemeClr val="accent1"/>
+          </a:fillRef>
+          <a:effectRef idx="0">
+            <a:schemeClr val="accent1"/>
+          </a:effectRef>
+          <a:fontRef idx="minor">
+            <a:schemeClr val="lt1"/>
+          </a:fontRef>
+        </p:style>
+        <p:txBody>
+          <a:bodyPr rtlCol="0" anchor="ctr"/>
+          <a:lstStyle/>
+          <a:p>
+            <a:pPr algn="ctr"/>
+            <a:endParaRPr lang="en-GB"/>
+          </a:p>
+        </p:txBody>
+      </p:sp>
+      <p:sp>
+        <p:nvSpPr>
+          <p:cNvPr id="12" name="TextBox 11"/>
+          <p:cNvSpPr txBox="1"/>
+          <p:nvPr/>
+        </p:nvSpPr>
+        <p:spPr>
+          <a:xfrm>
+            <a:off x="4236096" y="3342514"/>
+            <a:ext cx="1032293" cy="769441"/>
+          </a:xfrm>
+          <a:prstGeom prst="rect">
+            <a:avLst/>
+          </a:prstGeom>
+          <a:noFill/>
+        </p:spPr>
+        <p:txBody>
+          <a:bodyPr wrap="square" rtlCol="0">
+            <a:spAutoFit/>
+          </a:bodyPr>
+          <a:lstStyle/>
+          <a:p>
+            <a:r>
+              <a:rPr lang="en-GB" sz="4400" b="1" smtClean="0">
+                <a:solidFill>
+                  <a:srgbClr val="FF0000"/>
+                </a:solidFill>
+              </a:rPr>
+              <a:t>2</a:t>
+            </a:r>
+            <a:endParaRPr lang="en-GB" sz="4400" b="1">
+              <a:solidFill>
+                <a:srgbClr val="FF0000"/>
+              </a:solidFill>
+            </a:endParaRPr>
+          </a:p>
+        </p:txBody>
+      </p:sp>
+    </p:spTree>
+    <p:extLst>
+      <p:ext uri="{BB962C8B-B14F-4D97-AF65-F5344CB8AC3E}">
+        <p14:creationId xmlns:p14="http://schemas.microsoft.com/office/powerpoint/2010/main" val="912996912"/>
+      </p:ext>
+    </p:extLst>
+  </p:cSld>
+  <p:clrMapOvr>
+    <a:masterClrMapping/>
+  </p:clrMapOvr>
+  <p:timing>
+    <p:tnLst>
+      <p:par>
+        <p:cTn id="1" dur="indefinite" restart="never" nodeType="tmRoot"/>
+      </p:par>
+    </p:tnLst>
+  </p:timing>
+</p:sld>
+</file>
+
+<file path=ppt/slides/slide12.xml><?xml version="1.0" encoding="utf-8"?>
+<p:sld xmlns:a="http://schemas.openxmlformats.org/drawingml/2006/main" xmlns:r="http://schemas.openxmlformats.org/officeDocument/2006/relationships" xmlns:p="http://schemas.openxmlformats.org/presentationml/2006/main">
+  <p:cSld>
+    <p:spTree>
+      <p:nvGrpSpPr>
+        <p:cNvPr id="1" name=""/>
+        <p:cNvGrpSpPr/>
+        <p:nvPr/>
+      </p:nvGrpSpPr>
+      <p:grpSpPr>
+        <a:xfrm>
+          <a:off x="0" y="0"/>
+          <a:ext cx="0" cy="0"/>
+          <a:chOff x="0" y="0"/>
+          <a:chExt cx="0" cy="0"/>
+        </a:xfrm>
+      </p:grpSpPr>
+      <p:sp>
+        <p:nvSpPr>
+          <p:cNvPr id="2" name="Title 1"/>
+          <p:cNvSpPr>
+            <a:spLocks noGrp="1"/>
+          </p:cNvSpPr>
+          <p:nvPr>
+            <p:ph type="title"/>
+          </p:nvPr>
+        </p:nvSpPr>
+        <p:spPr>
+          <a:xfrm>
+            <a:off x="251586" y="244158"/>
+            <a:ext cx="8637831" cy="1339850"/>
+          </a:xfrm>
+        </p:spPr>
+        <p:txBody>
+          <a:bodyPr anchor="t"/>
+          <a:lstStyle/>
+          <a:p>
+            <a:pPr algn="l"/>
+            <a:r>
+              <a:rPr lang="en-US" smtClean="0"/>
+              <a:t>Windows env variables</a:t>
+            </a:r>
+            <a:endParaRPr lang="en-US" dirty="0"/>
+          </a:p>
+        </p:txBody>
+      </p:sp>
+      <p:sp>
+        <p:nvSpPr>
+          <p:cNvPr id="5" name="Rectangle 4"/>
+          <p:cNvSpPr/>
+          <p:nvPr/>
+        </p:nvSpPr>
+        <p:spPr>
+          <a:xfrm>
+            <a:off x="251586" y="2379093"/>
+            <a:ext cx="8047587" cy="1754326"/>
+          </a:xfrm>
+          <a:prstGeom prst="rect">
+            <a:avLst/>
+          </a:prstGeom>
+        </p:spPr>
+        <p:txBody>
+          <a:bodyPr wrap="square">
+            <a:spAutoFit/>
+          </a:bodyPr>
+          <a:lstStyle/>
+          <a:p>
+            <a:pPr lvl="0"/>
+            <a:r>
+              <a:rPr lang="en-US" sz="3600" dirty="0" smtClean="0">
+                <a:latin typeface="Lucida Sans" panose="020B0602030504020204" pitchFamily="34" charset="0"/>
+              </a:rPr>
+              <a:t>Start-&gt;"</a:t>
+            </a:r>
+            <a:r>
+              <a:rPr lang="en-US" sz="3600" dirty="0" err="1" smtClean="0">
+                <a:latin typeface="Lucida Sans" panose="020B0602030504020204" pitchFamily="34" charset="0"/>
+              </a:rPr>
+              <a:t>env</a:t>
+            </a:r>
+            <a:r>
+              <a:rPr lang="en-US" sz="3600" dirty="0" smtClean="0">
+                <a:latin typeface="Lucida Sans" panose="020B0602030504020204" pitchFamily="34" charset="0"/>
+              </a:rPr>
+              <a:t>"</a:t>
+            </a:r>
+          </a:p>
+          <a:p>
+            <a:pPr lvl="0"/>
+            <a:r>
+              <a:rPr lang="en-US" sz="3600" dirty="0" smtClean="0">
+                <a:latin typeface="Lucida Sans" panose="020B0602030504020204" pitchFamily="34" charset="0"/>
+              </a:rPr>
+              <a:t>Edit </a:t>
+            </a:r>
+            <a:r>
+              <a:rPr lang="en-US" sz="3600" b="1" dirty="0" smtClean="0">
+                <a:solidFill>
+                  <a:srgbClr val="FF0000"/>
+                </a:solidFill>
+                <a:latin typeface="Lucida Sans" panose="020B0602030504020204" pitchFamily="34" charset="0"/>
+              </a:rPr>
+              <a:t>system</a:t>
+            </a:r>
+            <a:r>
+              <a:rPr lang="en-US" sz="3600" dirty="0" smtClean="0">
+                <a:latin typeface="Lucida Sans" panose="020B0602030504020204" pitchFamily="34" charset="0"/>
+              </a:rPr>
+              <a:t> path</a:t>
+            </a:r>
+          </a:p>
+          <a:p>
+            <a:pPr lvl="0"/>
+            <a:r>
+              <a:rPr lang="en-US" sz="3600" dirty="0" smtClean="0">
+                <a:latin typeface="Lucida Sans" panose="020B0602030504020204" pitchFamily="34" charset="0"/>
+              </a:rPr>
+              <a:t>add path to python 3.10</a:t>
+            </a:r>
+          </a:p>
+        </p:txBody>
+      </p:sp>
+      <p:pic>
+        <p:nvPicPr>
+          <p:cNvPr id="3" name="Picture 2"/>
+          <p:cNvPicPr>
+            <a:picLocks noChangeAspect="1"/>
+          </p:cNvPicPr>
+          <p:nvPr/>
+        </p:nvPicPr>
+        <p:blipFill>
+          <a:blip r:embed="rId3"/>
+          <a:stretch>
+            <a:fillRect/>
+          </a:stretch>
+        </p:blipFill>
+        <p:spPr>
+          <a:xfrm>
+            <a:off x="667929" y="4201703"/>
+            <a:ext cx="7251446" cy="1664943"/>
+          </a:xfrm>
+          <a:prstGeom prst="rect">
+            <a:avLst/>
+          </a:prstGeom>
+        </p:spPr>
+      </p:pic>
+    </p:spTree>
+    <p:extLst>
+      <p:ext uri="{BB962C8B-B14F-4D97-AF65-F5344CB8AC3E}">
+        <p14:creationId xmlns:p14="http://schemas.microsoft.com/office/powerpoint/2010/main" val="1778857090"/>
+      </p:ext>
+    </p:extLst>
+  </p:cSld>
+  <p:clrMapOvr>
+    <a:masterClrMapping/>
+  </p:clrMapOvr>
+  <p:timing>
+    <p:tnLst>
+      <p:par>
+        <p:cTn id="1" dur="indefinite" restart="never" nodeType="tmRoot"/>
+      </p:par>
+    </p:tnLst>
+  </p:timing>
+</p:sld>
+</file>
+
+<file path=ppt/slides/slide13.xml><?xml version="1.0" encoding="utf-8"?>
+<p:sld xmlns:a="http://schemas.openxmlformats.org/drawingml/2006/main" xmlns:r="http://schemas.openxmlformats.org/officeDocument/2006/relationships" xmlns:p="http://schemas.openxmlformats.org/presentationml/2006/main">
+  <p:cSld>
+    <p:spTree>
+      <p:nvGrpSpPr>
+        <p:cNvPr id="1" name=""/>
+        <p:cNvGrpSpPr/>
+        <p:nvPr/>
+      </p:nvGrpSpPr>
+      <p:grpSpPr>
+        <a:xfrm>
+          <a:off x="0" y="0"/>
+          <a:ext cx="0" cy="0"/>
+          <a:chOff x="0" y="0"/>
+          <a:chExt cx="0" cy="0"/>
+        </a:xfrm>
+      </p:grpSpPr>
+      <p:sp>
+        <p:nvSpPr>
+          <p:cNvPr id="2" name="Title 1"/>
+          <p:cNvSpPr>
+            <a:spLocks noGrp="1"/>
+          </p:cNvSpPr>
+          <p:nvPr>
+            <p:ph type="title"/>
+          </p:nvPr>
+        </p:nvSpPr>
+        <p:spPr>
+          <a:xfrm>
+            <a:off x="251586" y="244158"/>
+            <a:ext cx="8637831" cy="1339850"/>
+          </a:xfrm>
+        </p:spPr>
+        <p:txBody>
+          <a:bodyPr anchor="t"/>
+          <a:lstStyle/>
+          <a:p>
+            <a:pPr algn="l"/>
+            <a:r>
+              <a:rPr lang="en-US" smtClean="0"/>
+              <a:t>VSC Select Interpreter</a:t>
+            </a:r>
+            <a:endParaRPr lang="en-US" dirty="0"/>
+          </a:p>
+        </p:txBody>
+      </p:sp>
+      <p:sp>
+        <p:nvSpPr>
+          <p:cNvPr id="5" name="Rectangle 4"/>
+          <p:cNvSpPr/>
+          <p:nvPr/>
+        </p:nvSpPr>
+        <p:spPr>
+          <a:xfrm>
+            <a:off x="251586" y="2127167"/>
+            <a:ext cx="8047587" cy="1200329"/>
+          </a:xfrm>
+          <a:prstGeom prst="rect">
+            <a:avLst/>
+          </a:prstGeom>
+        </p:spPr>
+        <p:txBody>
+          <a:bodyPr wrap="square">
+            <a:spAutoFit/>
+          </a:bodyPr>
+          <a:lstStyle/>
+          <a:p>
+            <a:pPr lvl="0"/>
+            <a:r>
+              <a:rPr lang="en-US" sz="3600" smtClean="0">
+                <a:latin typeface="Lucida Sans" panose="020B0602030504020204" pitchFamily="34" charset="0"/>
+              </a:rPr>
+              <a:t>View-&gt; Command Pallete</a:t>
+            </a:r>
+          </a:p>
+          <a:p>
+            <a:pPr lvl="0"/>
+            <a:r>
+              <a:rPr lang="en-US" sz="3600" smtClean="0">
+                <a:latin typeface="Lucida Sans" panose="020B0602030504020204" pitchFamily="34" charset="0"/>
+              </a:rPr>
+              <a:t> -&gt;python:Selected Interpreter</a:t>
+            </a:r>
+          </a:p>
+        </p:txBody>
+      </p:sp>
+      <p:pic>
+        <p:nvPicPr>
+          <p:cNvPr id="2050" name="Picture 2"/>
+          <p:cNvPicPr>
+            <a:picLocks noChangeAspect="1" noChangeArrowheads="1"/>
+          </p:cNvPicPr>
+          <p:nvPr/>
+        </p:nvPicPr>
+        <p:blipFill>
+          <a:blip r:embed="rId3">
+            <a:extLst>
+              <a:ext uri="{28A0092B-C50C-407E-A947-70E740481C1C}">
+                <a14:useLocalDpi xmlns:a14="http://schemas.microsoft.com/office/drawing/2010/main" val="0"/>
+              </a:ext>
+            </a:extLst>
+          </a:blip>
+          <a:srcRect/>
+          <a:stretch>
+            <a:fillRect/>
+          </a:stretch>
+        </p:blipFill>
+        <p:spPr bwMode="auto">
+          <a:xfrm>
+            <a:off x="1126510" y="3540190"/>
+            <a:ext cx="5883275" cy="1905000"/>
+          </a:xfrm>
+          <a:prstGeom prst="rect">
+            <a:avLst/>
+          </a:prstGeom>
+          <a:noFill/>
+          <a:ln>
+            <a:noFill/>
+          </a:ln>
+          <a:effectLst/>
+          <a:extLst>
+            <a:ext uri="{909E8E84-426E-40DD-AFC4-6F175D3DCCD1}">
+              <a14:hiddenFill xmlns:a14="http://schemas.microsoft.com/office/drawing/2010/main">
+                <a:solidFill>
+                  <a:schemeClr val="accent1"/>
+                </a:solidFill>
+              </a14:hiddenFill>
+            </a:ext>
+            <a:ext uri="{91240B29-F687-4F45-9708-019B960494DF}">
+              <a14:hiddenLine xmlns:a14="http://schemas.microsoft.com/office/drawing/2010/main" w="9525">
+                <a:solidFill>
+                  <a:schemeClr val="tx1"/>
+                </a:solidFill>
+                <a:miter lim="800000"/>
+                <a:headEnd/>
+                <a:tailEnd/>
+              </a14:hiddenLine>
+            </a:ext>
+            <a:ext uri="{AF507438-7753-43E0-B8FC-AC1667EBCBE1}">
+              <a14:hiddenEffects xmlns:a14="http://schemas.microsoft.com/office/drawing/2010/main">
+                <a:effectLst>
+                  <a:outerShdw dist="35921" dir="2700000" algn="ctr" rotWithShape="0">
+                    <a:schemeClr val="bg2"/>
+                  </a:outerShdw>
+                </a:effectLst>
+              </a14:hiddenEffects>
+            </a:ext>
+          </a:extLst>
+        </p:spPr>
+      </p:pic>
+    </p:spTree>
+    <p:extLst>
+      <p:ext uri="{BB962C8B-B14F-4D97-AF65-F5344CB8AC3E}">
+        <p14:creationId xmlns:p14="http://schemas.microsoft.com/office/powerpoint/2010/main" val="209792329"/>
       </p:ext>
     </p:extLst>
   </p:cSld>
